--- a/ppt/template.pptx
+++ b/ppt/template.pptx
@@ -2,14 +2,12 @@
 <file path=ppt/presentation.xml><?xml version="1.0" encoding="utf-8"?>
 <p:presentation xmlns:a="http://schemas.openxmlformats.org/drawingml/2006/main" xmlns:r="http://schemas.openxmlformats.org/officeDocument/2006/relationships" xmlns:p="http://schemas.openxmlformats.org/presentationml/2006/main" saveSubsetFonts="1" autoCompressPictures="0">
   <p:sldMasterIdLst>
-    <p:sldMasterId id="2147483658" r:id="rId1"/>
+    <p:sldMasterId id="2147483670" r:id="rId1"/>
   </p:sldMasterIdLst>
   <p:sldIdLst>
     <p:sldId id="256" r:id="rId2"/>
-    <p:sldId id="258" r:id="rId3"/>
-    <p:sldId id="257" r:id="rId4"/>
   </p:sldIdLst>
-  <p:sldSz cx="9144000" cy="6858000" type="screen4x3"/>
+  <p:sldSz cx="12192000" cy="6858000"/>
   <p:notesSz cx="6858000" cy="9144000"/>
   <p:defaultTextStyle>
     <a:defPPr>
@@ -106,6 +104,11 @@
       </a:defRPr>
     </a:lvl9pPr>
   </p:defaultTextStyle>
+  <p:extLst>
+    <p:ext uri="{EFAFB233-063F-42B5-8137-9DF3F51BA10A}">
+      <p15:sldGuideLst xmlns:p15="http://schemas.microsoft.com/office/powerpoint/2012/main"/>
+    </p:ext>
+  </p:extLst>
 </p:presentation>
 </file>
 
@@ -138,8 +141,8 @@
         </p:nvSpPr>
         <p:spPr>
           <a:xfrm>
-            <a:off x="685800" y="1122363"/>
-            <a:ext cx="7772400" cy="2387600"/>
+            <a:off x="1524000" y="1122363"/>
+            <a:ext cx="9144000" cy="2387600"/>
           </a:xfrm>
         </p:spPr>
         <p:txBody>
@@ -170,8 +173,8 @@
         </p:nvSpPr>
         <p:spPr>
           <a:xfrm>
-            <a:off x="1143000" y="3602038"/>
-            <a:ext cx="6858000" cy="1655762"/>
+            <a:off x="1524000" y="3602038"/>
+            <a:ext cx="9144000" cy="1655762"/>
           </a:xfrm>
         </p:spPr>
         <p:txBody>
@@ -241,7 +244,7 @@
             <a:fld id="{1F665E0F-2C79-824A-8A98-49943BAC75E9}" type="datetimeFigureOut">
               <a:rPr lang="en-JP" smtClean="0"/>
               <a:pPr/>
-              <a:t>2021/07/03</a:t>
+              <a:t>2021/07/05</a:t>
             </a:fld>
             <a:endParaRPr lang="en-JP"/>
           </a:p>
@@ -278,8 +281,8 @@
         </p:nvSpPr>
         <p:spPr>
           <a:xfrm>
-            <a:off x="6457950" y="6356351"/>
-            <a:ext cx="2057400" cy="365125"/>
+            <a:off x="8610600" y="6356350"/>
+            <a:ext cx="2743200" cy="365125"/>
           </a:xfrm>
           <a:prstGeom prst="rect">
             <a:avLst/>
@@ -290,7 +293,7 @@
           <a:lstStyle/>
           <a:p>
             <a:fld id="{48F63A3B-78C7-47BE-AE5E-E10140E04643}" type="slidenum">
-              <a:rPr lang="en-US" dirty="0"/>
+              <a:rPr lang="en-US" smtClean="0"/>
               <a:t>‹#›</a:t>
             </a:fld>
             <a:endParaRPr lang="en-US" dirty="0"/>
@@ -300,7 +303,7 @@
     </p:spTree>
     <p:extLst>
       <p:ext uri="{BB962C8B-B14F-4D97-AF65-F5344CB8AC3E}">
-        <p14:creationId xmlns:p14="http://schemas.microsoft.com/office/powerpoint/2010/main" val="3395348129"/>
+        <p14:creationId xmlns:p14="http://schemas.microsoft.com/office/powerpoint/2010/main" val="1615093867"/>
       </p:ext>
     </p:extLst>
   </p:cSld>
@@ -418,8 +421,8 @@
           <a:lstStyle/>
           <a:p>
             <a:fld id="{C764DE79-268F-4C1A-8933-263129D2AF90}" type="datetimeFigureOut">
-              <a:rPr lang="en-US" dirty="0"/>
-              <a:t>7/3/21</a:t>
+              <a:rPr lang="en-US" smtClean="0"/>
+              <a:t>7/5/21</a:t>
             </a:fld>
             <a:endParaRPr lang="en-US" dirty="0"/>
           </a:p>
@@ -456,8 +459,8 @@
         </p:nvSpPr>
         <p:spPr>
           <a:xfrm>
-            <a:off x="6457950" y="6356351"/>
-            <a:ext cx="2057400" cy="365125"/>
+            <a:off x="8610600" y="6356350"/>
+            <a:ext cx="2743200" cy="365125"/>
           </a:xfrm>
           <a:prstGeom prst="rect">
             <a:avLst/>
@@ -468,7 +471,7 @@
           <a:lstStyle/>
           <a:p>
             <a:fld id="{48F63A3B-78C7-47BE-AE5E-E10140E04643}" type="slidenum">
-              <a:rPr lang="en-US" dirty="0"/>
+              <a:rPr lang="en-US" smtClean="0"/>
               <a:t>‹#›</a:t>
             </a:fld>
             <a:endParaRPr lang="en-US" dirty="0"/>
@@ -478,7 +481,7 @@
     </p:spTree>
     <p:extLst>
       <p:ext uri="{BB962C8B-B14F-4D97-AF65-F5344CB8AC3E}">
-        <p14:creationId xmlns:p14="http://schemas.microsoft.com/office/powerpoint/2010/main" val="2961432424"/>
+        <p14:creationId xmlns:p14="http://schemas.microsoft.com/office/powerpoint/2010/main" val="1234939712"/>
       </p:ext>
     </p:extLst>
   </p:cSld>
@@ -517,8 +520,8 @@
         </p:nvSpPr>
         <p:spPr>
           <a:xfrm>
-            <a:off x="6543675" y="365125"/>
-            <a:ext cx="1971675" cy="5811838"/>
+            <a:off x="8724900" y="365125"/>
+            <a:ext cx="2628900" cy="5811838"/>
           </a:xfrm>
         </p:spPr>
         <p:txBody>
@@ -545,8 +548,8 @@
         </p:nvSpPr>
         <p:spPr>
           <a:xfrm>
-            <a:off x="628650" y="365125"/>
-            <a:ext cx="5800725" cy="5811838"/>
+            <a:off x="838200" y="365125"/>
+            <a:ext cx="7734300" cy="5811838"/>
           </a:xfrm>
         </p:spPr>
         <p:txBody>
@@ -606,8 +609,8 @@
           <a:lstStyle/>
           <a:p>
             <a:fld id="{C764DE79-268F-4C1A-8933-263129D2AF90}" type="datetimeFigureOut">
-              <a:rPr lang="en-US" dirty="0"/>
-              <a:t>7/3/21</a:t>
+              <a:rPr lang="en-US" smtClean="0"/>
+              <a:t>7/5/21</a:t>
             </a:fld>
             <a:endParaRPr lang="en-US" dirty="0"/>
           </a:p>
@@ -644,8 +647,8 @@
         </p:nvSpPr>
         <p:spPr>
           <a:xfrm>
-            <a:off x="6457950" y="6356351"/>
-            <a:ext cx="2057400" cy="365125"/>
+            <a:off x="8610600" y="6356350"/>
+            <a:ext cx="2743200" cy="365125"/>
           </a:xfrm>
           <a:prstGeom prst="rect">
             <a:avLst/>
@@ -656,7 +659,7 @@
           <a:lstStyle/>
           <a:p>
             <a:fld id="{48F63A3B-78C7-47BE-AE5E-E10140E04643}" type="slidenum">
-              <a:rPr lang="en-US" dirty="0"/>
+              <a:rPr lang="en-US" smtClean="0"/>
               <a:t>‹#›</a:t>
             </a:fld>
             <a:endParaRPr lang="en-US" dirty="0"/>
@@ -666,7 +669,7 @@
     </p:spTree>
     <p:extLst>
       <p:ext uri="{BB962C8B-B14F-4D97-AF65-F5344CB8AC3E}">
-        <p14:creationId xmlns:p14="http://schemas.microsoft.com/office/powerpoint/2010/main" val="1998687660"/>
+        <p14:creationId xmlns:p14="http://schemas.microsoft.com/office/powerpoint/2010/main" val="437652229"/>
       </p:ext>
     </p:extLst>
   </p:cSld>
@@ -677,6 +680,1053 @@
 </file>
 
 <file path=ppt/slideLayouts/slideLayout2.xml><?xml version="1.0" encoding="utf-8"?>
+<p:sldLayout xmlns:a="http://schemas.openxmlformats.org/drawingml/2006/main" xmlns:r="http://schemas.openxmlformats.org/officeDocument/2006/relationships" xmlns:p="http://schemas.openxmlformats.org/presentationml/2006/main" type="obj" preserve="1">
+  <p:cSld name="Title and Content">
+    <p:spTree>
+      <p:nvGrpSpPr>
+        <p:cNvPr id="1" name=""/>
+        <p:cNvGrpSpPr/>
+        <p:nvPr/>
+      </p:nvGrpSpPr>
+      <p:grpSpPr>
+        <a:xfrm>
+          <a:off x="0" y="0"/>
+          <a:ext cx="0" cy="0"/>
+          <a:chOff x="0" y="0"/>
+          <a:chExt cx="0" cy="0"/>
+        </a:xfrm>
+      </p:grpSpPr>
+      <p:sp>
+        <p:nvSpPr>
+          <p:cNvPr id="2" name="Title 1"/>
+          <p:cNvSpPr>
+            <a:spLocks noGrp="1"/>
+          </p:cNvSpPr>
+          <p:nvPr>
+            <p:ph type="title"/>
+          </p:nvPr>
+        </p:nvSpPr>
+        <p:spPr/>
+        <p:txBody>
+          <a:bodyPr/>
+          <a:lstStyle/>
+          <a:p>
+            <a:r>
+              <a:rPr lang="en-GB"/>
+              <a:t>Click to edit Master title style</a:t>
+            </a:r>
+            <a:endParaRPr lang="en-US" dirty="0"/>
+          </a:p>
+        </p:txBody>
+      </p:sp>
+      <p:sp>
+        <p:nvSpPr>
+          <p:cNvPr id="3" name="Content Placeholder 2"/>
+          <p:cNvSpPr>
+            <a:spLocks noGrp="1"/>
+          </p:cNvSpPr>
+          <p:nvPr>
+            <p:ph idx="1"/>
+          </p:nvPr>
+        </p:nvSpPr>
+        <p:spPr/>
+        <p:txBody>
+          <a:bodyPr/>
+          <a:lstStyle/>
+          <a:p>
+            <a:pPr lvl="0"/>
+            <a:r>
+              <a:rPr lang="en-GB"/>
+              <a:t>Click to edit Master text styles</a:t>
+            </a:r>
+          </a:p>
+          <a:p>
+            <a:pPr lvl="1"/>
+            <a:r>
+              <a:rPr lang="en-GB"/>
+              <a:t>Second level</a:t>
+            </a:r>
+          </a:p>
+          <a:p>
+            <a:pPr lvl="2"/>
+            <a:r>
+              <a:rPr lang="en-GB"/>
+              <a:t>Third level</a:t>
+            </a:r>
+          </a:p>
+          <a:p>
+            <a:pPr lvl="3"/>
+            <a:r>
+              <a:rPr lang="en-GB"/>
+              <a:t>Fourth level</a:t>
+            </a:r>
+          </a:p>
+          <a:p>
+            <a:pPr lvl="4"/>
+            <a:r>
+              <a:rPr lang="en-GB"/>
+              <a:t>Fifth level</a:t>
+            </a:r>
+            <a:endParaRPr lang="en-US" dirty="0"/>
+          </a:p>
+        </p:txBody>
+      </p:sp>
+      <p:sp>
+        <p:nvSpPr>
+          <p:cNvPr id="4" name="Date Placeholder 3"/>
+          <p:cNvSpPr>
+            <a:spLocks noGrp="1"/>
+          </p:cNvSpPr>
+          <p:nvPr>
+            <p:ph type="dt" sz="half" idx="10"/>
+          </p:nvPr>
+        </p:nvSpPr>
+        <p:spPr/>
+        <p:txBody>
+          <a:bodyPr/>
+          <a:lstStyle/>
+          <a:p>
+            <a:fld id="{1F665E0F-2C79-824A-8A98-49943BAC75E9}" type="datetimeFigureOut">
+              <a:rPr lang="en-JP" smtClean="0"/>
+              <a:t>2021/07/05</a:t>
+            </a:fld>
+            <a:endParaRPr lang="en-JP"/>
+          </a:p>
+        </p:txBody>
+      </p:sp>
+      <p:sp>
+        <p:nvSpPr>
+          <p:cNvPr id="5" name="Footer Placeholder 4"/>
+          <p:cNvSpPr>
+            <a:spLocks noGrp="1"/>
+          </p:cNvSpPr>
+          <p:nvPr>
+            <p:ph type="ftr" sz="quarter" idx="11"/>
+          </p:nvPr>
+        </p:nvSpPr>
+        <p:spPr/>
+        <p:txBody>
+          <a:bodyPr/>
+          <a:lstStyle/>
+          <a:p>
+            <a:endParaRPr lang="en-JP"/>
+          </a:p>
+        </p:txBody>
+      </p:sp>
+      <p:sp>
+        <p:nvSpPr>
+          <p:cNvPr id="6" name="Slide Number Placeholder 5"/>
+          <p:cNvSpPr>
+            <a:spLocks noGrp="1"/>
+          </p:cNvSpPr>
+          <p:nvPr>
+            <p:ph type="sldNum" sz="quarter" idx="12"/>
+          </p:nvPr>
+        </p:nvSpPr>
+        <p:spPr>
+          <a:xfrm>
+            <a:off x="8610600" y="6356350"/>
+            <a:ext cx="2743200" cy="365125"/>
+          </a:xfrm>
+          <a:prstGeom prst="rect">
+            <a:avLst/>
+          </a:prstGeom>
+        </p:spPr>
+        <p:txBody>
+          <a:bodyPr/>
+          <a:lstStyle/>
+          <a:p>
+            <a:fld id="{3C268A41-CD3F-E248-BCF1-48894BBF8C28}" type="slidenum">
+              <a:rPr lang="en-JP" smtClean="0"/>
+              <a:t>‹#›</a:t>
+            </a:fld>
+            <a:endParaRPr lang="en-JP"/>
+          </a:p>
+        </p:txBody>
+      </p:sp>
+    </p:spTree>
+    <p:extLst>
+      <p:ext uri="{BB962C8B-B14F-4D97-AF65-F5344CB8AC3E}">
+        <p14:creationId xmlns:p14="http://schemas.microsoft.com/office/powerpoint/2010/main" val="2435559589"/>
+      </p:ext>
+    </p:extLst>
+  </p:cSld>
+  <p:clrMapOvr>
+    <a:masterClrMapping/>
+  </p:clrMapOvr>
+</p:sldLayout>
+</file>
+
+<file path=ppt/slideLayouts/slideLayout3.xml><?xml version="1.0" encoding="utf-8"?>
+<p:sldLayout xmlns:a="http://schemas.openxmlformats.org/drawingml/2006/main" xmlns:r="http://schemas.openxmlformats.org/officeDocument/2006/relationships" xmlns:p="http://schemas.openxmlformats.org/presentationml/2006/main" type="secHead" preserve="1">
+  <p:cSld name="Section Header">
+    <p:spTree>
+      <p:nvGrpSpPr>
+        <p:cNvPr id="1" name=""/>
+        <p:cNvGrpSpPr/>
+        <p:nvPr/>
+      </p:nvGrpSpPr>
+      <p:grpSpPr>
+        <a:xfrm>
+          <a:off x="0" y="0"/>
+          <a:ext cx="0" cy="0"/>
+          <a:chOff x="0" y="0"/>
+          <a:chExt cx="0" cy="0"/>
+        </a:xfrm>
+      </p:grpSpPr>
+      <p:sp>
+        <p:nvSpPr>
+          <p:cNvPr id="2" name="Title 1"/>
+          <p:cNvSpPr>
+            <a:spLocks noGrp="1"/>
+          </p:cNvSpPr>
+          <p:nvPr>
+            <p:ph type="title"/>
+          </p:nvPr>
+        </p:nvSpPr>
+        <p:spPr>
+          <a:xfrm>
+            <a:off x="831850" y="1709738"/>
+            <a:ext cx="10515600" cy="2852737"/>
+          </a:xfrm>
+        </p:spPr>
+        <p:txBody>
+          <a:bodyPr anchor="b"/>
+          <a:lstStyle>
+            <a:lvl1pPr>
+              <a:defRPr sz="6000"/>
+            </a:lvl1pPr>
+          </a:lstStyle>
+          <a:p>
+            <a:r>
+              <a:rPr lang="en-GB"/>
+              <a:t>Click to edit Master title style</a:t>
+            </a:r>
+            <a:endParaRPr lang="en-US" dirty="0"/>
+          </a:p>
+        </p:txBody>
+      </p:sp>
+      <p:sp>
+        <p:nvSpPr>
+          <p:cNvPr id="3" name="Text Placeholder 2"/>
+          <p:cNvSpPr>
+            <a:spLocks noGrp="1"/>
+          </p:cNvSpPr>
+          <p:nvPr>
+            <p:ph type="body" idx="1"/>
+          </p:nvPr>
+        </p:nvSpPr>
+        <p:spPr>
+          <a:xfrm>
+            <a:off x="831850" y="4589463"/>
+            <a:ext cx="10515600" cy="1500187"/>
+          </a:xfrm>
+        </p:spPr>
+        <p:txBody>
+          <a:bodyPr/>
+          <a:lstStyle>
+            <a:lvl1pPr marL="0" indent="0">
+              <a:buNone/>
+              <a:defRPr sz="2400">
+                <a:solidFill>
+                  <a:schemeClr val="tx1">
+                    <a:tint val="75000"/>
+                  </a:schemeClr>
+                </a:solidFill>
+              </a:defRPr>
+            </a:lvl1pPr>
+            <a:lvl2pPr marL="457200" indent="0">
+              <a:buNone/>
+              <a:defRPr sz="2000">
+                <a:solidFill>
+                  <a:schemeClr val="tx1">
+                    <a:tint val="75000"/>
+                  </a:schemeClr>
+                </a:solidFill>
+              </a:defRPr>
+            </a:lvl2pPr>
+            <a:lvl3pPr marL="914400" indent="0">
+              <a:buNone/>
+              <a:defRPr sz="1800">
+                <a:solidFill>
+                  <a:schemeClr val="tx1">
+                    <a:tint val="75000"/>
+                  </a:schemeClr>
+                </a:solidFill>
+              </a:defRPr>
+            </a:lvl3pPr>
+            <a:lvl4pPr marL="1371600" indent="0">
+              <a:buNone/>
+              <a:defRPr sz="1600">
+                <a:solidFill>
+                  <a:schemeClr val="tx1">
+                    <a:tint val="75000"/>
+                  </a:schemeClr>
+                </a:solidFill>
+              </a:defRPr>
+            </a:lvl4pPr>
+            <a:lvl5pPr marL="1828800" indent="0">
+              <a:buNone/>
+              <a:defRPr sz="1600">
+                <a:solidFill>
+                  <a:schemeClr val="tx1">
+                    <a:tint val="75000"/>
+                  </a:schemeClr>
+                </a:solidFill>
+              </a:defRPr>
+            </a:lvl5pPr>
+            <a:lvl6pPr marL="2286000" indent="0">
+              <a:buNone/>
+              <a:defRPr sz="1600">
+                <a:solidFill>
+                  <a:schemeClr val="tx1">
+                    <a:tint val="75000"/>
+                  </a:schemeClr>
+                </a:solidFill>
+              </a:defRPr>
+            </a:lvl6pPr>
+            <a:lvl7pPr marL="2743200" indent="0">
+              <a:buNone/>
+              <a:defRPr sz="1600">
+                <a:solidFill>
+                  <a:schemeClr val="tx1">
+                    <a:tint val="75000"/>
+                  </a:schemeClr>
+                </a:solidFill>
+              </a:defRPr>
+            </a:lvl7pPr>
+            <a:lvl8pPr marL="3200400" indent="0">
+              <a:buNone/>
+              <a:defRPr sz="1600">
+                <a:solidFill>
+                  <a:schemeClr val="tx1">
+                    <a:tint val="75000"/>
+                  </a:schemeClr>
+                </a:solidFill>
+              </a:defRPr>
+            </a:lvl8pPr>
+            <a:lvl9pPr marL="3657600" indent="0">
+              <a:buNone/>
+              <a:defRPr sz="1600">
+                <a:solidFill>
+                  <a:schemeClr val="tx1">
+                    <a:tint val="75000"/>
+                  </a:schemeClr>
+                </a:solidFill>
+              </a:defRPr>
+            </a:lvl9pPr>
+          </a:lstStyle>
+          <a:p>
+            <a:pPr lvl="0"/>
+            <a:r>
+              <a:rPr lang="en-GB"/>
+              <a:t>Click to edit Master text styles</a:t>
+            </a:r>
+          </a:p>
+        </p:txBody>
+      </p:sp>
+      <p:sp>
+        <p:nvSpPr>
+          <p:cNvPr id="4" name="Date Placeholder 3"/>
+          <p:cNvSpPr>
+            <a:spLocks noGrp="1"/>
+          </p:cNvSpPr>
+          <p:nvPr>
+            <p:ph type="dt" sz="half" idx="10"/>
+          </p:nvPr>
+        </p:nvSpPr>
+        <p:spPr/>
+        <p:txBody>
+          <a:bodyPr/>
+          <a:lstStyle/>
+          <a:p>
+            <a:fld id="{1F665E0F-2C79-824A-8A98-49943BAC75E9}" type="datetimeFigureOut">
+              <a:rPr lang="en-JP" smtClean="0"/>
+              <a:t>2021/07/05</a:t>
+            </a:fld>
+            <a:endParaRPr lang="en-JP"/>
+          </a:p>
+        </p:txBody>
+      </p:sp>
+      <p:sp>
+        <p:nvSpPr>
+          <p:cNvPr id="5" name="Footer Placeholder 4"/>
+          <p:cNvSpPr>
+            <a:spLocks noGrp="1"/>
+          </p:cNvSpPr>
+          <p:nvPr>
+            <p:ph type="ftr" sz="quarter" idx="11"/>
+          </p:nvPr>
+        </p:nvSpPr>
+        <p:spPr/>
+        <p:txBody>
+          <a:bodyPr/>
+          <a:lstStyle/>
+          <a:p>
+            <a:endParaRPr lang="en-JP"/>
+          </a:p>
+        </p:txBody>
+      </p:sp>
+      <p:sp>
+        <p:nvSpPr>
+          <p:cNvPr id="6" name="Slide Number Placeholder 5"/>
+          <p:cNvSpPr>
+            <a:spLocks noGrp="1"/>
+          </p:cNvSpPr>
+          <p:nvPr>
+            <p:ph type="sldNum" sz="quarter" idx="12"/>
+          </p:nvPr>
+        </p:nvSpPr>
+        <p:spPr>
+          <a:xfrm>
+            <a:off x="8610600" y="6356350"/>
+            <a:ext cx="2743200" cy="365125"/>
+          </a:xfrm>
+          <a:prstGeom prst="rect">
+            <a:avLst/>
+          </a:prstGeom>
+        </p:spPr>
+        <p:txBody>
+          <a:bodyPr/>
+          <a:lstStyle/>
+          <a:p>
+            <a:fld id="{3C268A41-CD3F-E248-BCF1-48894BBF8C28}" type="slidenum">
+              <a:rPr lang="en-JP" smtClean="0"/>
+              <a:t>‹#›</a:t>
+            </a:fld>
+            <a:endParaRPr lang="en-JP"/>
+          </a:p>
+        </p:txBody>
+      </p:sp>
+    </p:spTree>
+    <p:extLst>
+      <p:ext uri="{BB962C8B-B14F-4D97-AF65-F5344CB8AC3E}">
+        <p14:creationId xmlns:p14="http://schemas.microsoft.com/office/powerpoint/2010/main" val="713907356"/>
+      </p:ext>
+    </p:extLst>
+  </p:cSld>
+  <p:clrMapOvr>
+    <a:masterClrMapping/>
+  </p:clrMapOvr>
+</p:sldLayout>
+</file>
+
+<file path=ppt/slideLayouts/slideLayout4.xml><?xml version="1.0" encoding="utf-8"?>
+<p:sldLayout xmlns:a="http://schemas.openxmlformats.org/drawingml/2006/main" xmlns:r="http://schemas.openxmlformats.org/officeDocument/2006/relationships" xmlns:p="http://schemas.openxmlformats.org/presentationml/2006/main" type="twoObj" preserve="1">
+  <p:cSld name="Two Content">
+    <p:spTree>
+      <p:nvGrpSpPr>
+        <p:cNvPr id="1" name=""/>
+        <p:cNvGrpSpPr/>
+        <p:nvPr/>
+      </p:nvGrpSpPr>
+      <p:grpSpPr>
+        <a:xfrm>
+          <a:off x="0" y="0"/>
+          <a:ext cx="0" cy="0"/>
+          <a:chOff x="0" y="0"/>
+          <a:chExt cx="0" cy="0"/>
+        </a:xfrm>
+      </p:grpSpPr>
+      <p:sp>
+        <p:nvSpPr>
+          <p:cNvPr id="2" name="Title 1"/>
+          <p:cNvSpPr>
+            <a:spLocks noGrp="1"/>
+          </p:cNvSpPr>
+          <p:nvPr>
+            <p:ph type="title"/>
+          </p:nvPr>
+        </p:nvSpPr>
+        <p:spPr/>
+        <p:txBody>
+          <a:bodyPr/>
+          <a:lstStyle/>
+          <a:p>
+            <a:r>
+              <a:rPr lang="en-GB"/>
+              <a:t>Click to edit Master title style</a:t>
+            </a:r>
+            <a:endParaRPr lang="en-US" dirty="0"/>
+          </a:p>
+        </p:txBody>
+      </p:sp>
+      <p:sp>
+        <p:nvSpPr>
+          <p:cNvPr id="3" name="Content Placeholder 2"/>
+          <p:cNvSpPr>
+            <a:spLocks noGrp="1"/>
+          </p:cNvSpPr>
+          <p:nvPr>
+            <p:ph sz="half" idx="1"/>
+          </p:nvPr>
+        </p:nvSpPr>
+        <p:spPr>
+          <a:xfrm>
+            <a:off x="838200" y="1825625"/>
+            <a:ext cx="5181600" cy="4351338"/>
+          </a:xfrm>
+        </p:spPr>
+        <p:txBody>
+          <a:bodyPr/>
+          <a:lstStyle/>
+          <a:p>
+            <a:pPr lvl="0"/>
+            <a:r>
+              <a:rPr lang="en-GB"/>
+              <a:t>Click to edit Master text styles</a:t>
+            </a:r>
+          </a:p>
+          <a:p>
+            <a:pPr lvl="1"/>
+            <a:r>
+              <a:rPr lang="en-GB"/>
+              <a:t>Second level</a:t>
+            </a:r>
+          </a:p>
+          <a:p>
+            <a:pPr lvl="2"/>
+            <a:r>
+              <a:rPr lang="en-GB"/>
+              <a:t>Third level</a:t>
+            </a:r>
+          </a:p>
+          <a:p>
+            <a:pPr lvl="3"/>
+            <a:r>
+              <a:rPr lang="en-GB"/>
+              <a:t>Fourth level</a:t>
+            </a:r>
+          </a:p>
+          <a:p>
+            <a:pPr lvl="4"/>
+            <a:r>
+              <a:rPr lang="en-GB"/>
+              <a:t>Fifth level</a:t>
+            </a:r>
+            <a:endParaRPr lang="en-US" dirty="0"/>
+          </a:p>
+        </p:txBody>
+      </p:sp>
+      <p:sp>
+        <p:nvSpPr>
+          <p:cNvPr id="4" name="Content Placeholder 3"/>
+          <p:cNvSpPr>
+            <a:spLocks noGrp="1"/>
+          </p:cNvSpPr>
+          <p:nvPr>
+            <p:ph sz="half" idx="2"/>
+          </p:nvPr>
+        </p:nvSpPr>
+        <p:spPr>
+          <a:xfrm>
+            <a:off x="6172200" y="1825625"/>
+            <a:ext cx="5181600" cy="4351338"/>
+          </a:xfrm>
+        </p:spPr>
+        <p:txBody>
+          <a:bodyPr/>
+          <a:lstStyle/>
+          <a:p>
+            <a:pPr lvl="0"/>
+            <a:r>
+              <a:rPr lang="en-GB"/>
+              <a:t>Click to edit Master text styles</a:t>
+            </a:r>
+          </a:p>
+          <a:p>
+            <a:pPr lvl="1"/>
+            <a:r>
+              <a:rPr lang="en-GB"/>
+              <a:t>Second level</a:t>
+            </a:r>
+          </a:p>
+          <a:p>
+            <a:pPr lvl="2"/>
+            <a:r>
+              <a:rPr lang="en-GB"/>
+              <a:t>Third level</a:t>
+            </a:r>
+          </a:p>
+          <a:p>
+            <a:pPr lvl="3"/>
+            <a:r>
+              <a:rPr lang="en-GB"/>
+              <a:t>Fourth level</a:t>
+            </a:r>
+          </a:p>
+          <a:p>
+            <a:pPr lvl="4"/>
+            <a:r>
+              <a:rPr lang="en-GB"/>
+              <a:t>Fifth level</a:t>
+            </a:r>
+            <a:endParaRPr lang="en-US" dirty="0"/>
+          </a:p>
+        </p:txBody>
+      </p:sp>
+      <p:sp>
+        <p:nvSpPr>
+          <p:cNvPr id="5" name="Date Placeholder 4"/>
+          <p:cNvSpPr>
+            <a:spLocks noGrp="1"/>
+          </p:cNvSpPr>
+          <p:nvPr>
+            <p:ph type="dt" sz="half" idx="10"/>
+          </p:nvPr>
+        </p:nvSpPr>
+        <p:spPr/>
+        <p:txBody>
+          <a:bodyPr/>
+          <a:lstStyle/>
+          <a:p>
+            <a:fld id="{1F665E0F-2C79-824A-8A98-49943BAC75E9}" type="datetimeFigureOut">
+              <a:rPr lang="en-JP" smtClean="0"/>
+              <a:t>2021/07/05</a:t>
+            </a:fld>
+            <a:endParaRPr lang="en-JP"/>
+          </a:p>
+        </p:txBody>
+      </p:sp>
+      <p:sp>
+        <p:nvSpPr>
+          <p:cNvPr id="6" name="Footer Placeholder 5"/>
+          <p:cNvSpPr>
+            <a:spLocks noGrp="1"/>
+          </p:cNvSpPr>
+          <p:nvPr>
+            <p:ph type="ftr" sz="quarter" idx="11"/>
+          </p:nvPr>
+        </p:nvSpPr>
+        <p:spPr/>
+        <p:txBody>
+          <a:bodyPr/>
+          <a:lstStyle/>
+          <a:p>
+            <a:endParaRPr lang="en-JP"/>
+          </a:p>
+        </p:txBody>
+      </p:sp>
+      <p:sp>
+        <p:nvSpPr>
+          <p:cNvPr id="7" name="Slide Number Placeholder 6"/>
+          <p:cNvSpPr>
+            <a:spLocks noGrp="1"/>
+          </p:cNvSpPr>
+          <p:nvPr>
+            <p:ph type="sldNum" sz="quarter" idx="12"/>
+          </p:nvPr>
+        </p:nvSpPr>
+        <p:spPr>
+          <a:xfrm>
+            <a:off x="8610600" y="6356350"/>
+            <a:ext cx="2743200" cy="365125"/>
+          </a:xfrm>
+          <a:prstGeom prst="rect">
+            <a:avLst/>
+          </a:prstGeom>
+        </p:spPr>
+        <p:txBody>
+          <a:bodyPr/>
+          <a:lstStyle/>
+          <a:p>
+            <a:fld id="{3C268A41-CD3F-E248-BCF1-48894BBF8C28}" type="slidenum">
+              <a:rPr lang="en-JP" smtClean="0"/>
+              <a:t>‹#›</a:t>
+            </a:fld>
+            <a:endParaRPr lang="en-JP"/>
+          </a:p>
+        </p:txBody>
+      </p:sp>
+    </p:spTree>
+    <p:extLst>
+      <p:ext uri="{BB962C8B-B14F-4D97-AF65-F5344CB8AC3E}">
+        <p14:creationId xmlns:p14="http://schemas.microsoft.com/office/powerpoint/2010/main" val="2901448662"/>
+      </p:ext>
+    </p:extLst>
+  </p:cSld>
+  <p:clrMapOvr>
+    <a:masterClrMapping/>
+  </p:clrMapOvr>
+</p:sldLayout>
+</file>
+
+<file path=ppt/slideLayouts/slideLayout5.xml><?xml version="1.0" encoding="utf-8"?>
+<p:sldLayout xmlns:a="http://schemas.openxmlformats.org/drawingml/2006/main" xmlns:r="http://schemas.openxmlformats.org/officeDocument/2006/relationships" xmlns:p="http://schemas.openxmlformats.org/presentationml/2006/main" type="twoTxTwoObj" preserve="1">
+  <p:cSld name="Comparison">
+    <p:spTree>
+      <p:nvGrpSpPr>
+        <p:cNvPr id="1" name=""/>
+        <p:cNvGrpSpPr/>
+        <p:nvPr/>
+      </p:nvGrpSpPr>
+      <p:grpSpPr>
+        <a:xfrm>
+          <a:off x="0" y="0"/>
+          <a:ext cx="0" cy="0"/>
+          <a:chOff x="0" y="0"/>
+          <a:chExt cx="0" cy="0"/>
+        </a:xfrm>
+      </p:grpSpPr>
+      <p:sp>
+        <p:nvSpPr>
+          <p:cNvPr id="2" name="Title 1"/>
+          <p:cNvSpPr>
+            <a:spLocks noGrp="1"/>
+          </p:cNvSpPr>
+          <p:nvPr>
+            <p:ph type="title"/>
+          </p:nvPr>
+        </p:nvSpPr>
+        <p:spPr>
+          <a:xfrm>
+            <a:off x="839788" y="365125"/>
+            <a:ext cx="10515600" cy="1325563"/>
+          </a:xfrm>
+        </p:spPr>
+        <p:txBody>
+          <a:bodyPr/>
+          <a:lstStyle/>
+          <a:p>
+            <a:r>
+              <a:rPr lang="en-GB"/>
+              <a:t>Click to edit Master title style</a:t>
+            </a:r>
+            <a:endParaRPr lang="en-US" dirty="0"/>
+          </a:p>
+        </p:txBody>
+      </p:sp>
+      <p:sp>
+        <p:nvSpPr>
+          <p:cNvPr id="3" name="Text Placeholder 2"/>
+          <p:cNvSpPr>
+            <a:spLocks noGrp="1"/>
+          </p:cNvSpPr>
+          <p:nvPr>
+            <p:ph type="body" idx="1"/>
+          </p:nvPr>
+        </p:nvSpPr>
+        <p:spPr>
+          <a:xfrm>
+            <a:off x="839788" y="1681163"/>
+            <a:ext cx="5157787" cy="823912"/>
+          </a:xfrm>
+        </p:spPr>
+        <p:txBody>
+          <a:bodyPr anchor="b"/>
+          <a:lstStyle>
+            <a:lvl1pPr marL="0" indent="0">
+              <a:buNone/>
+              <a:defRPr sz="2400" b="1"/>
+            </a:lvl1pPr>
+            <a:lvl2pPr marL="457200" indent="0">
+              <a:buNone/>
+              <a:defRPr sz="2000" b="1"/>
+            </a:lvl2pPr>
+            <a:lvl3pPr marL="914400" indent="0">
+              <a:buNone/>
+              <a:defRPr sz="1800" b="1"/>
+            </a:lvl3pPr>
+            <a:lvl4pPr marL="1371600" indent="0">
+              <a:buNone/>
+              <a:defRPr sz="1600" b="1"/>
+            </a:lvl4pPr>
+            <a:lvl5pPr marL="1828800" indent="0">
+              <a:buNone/>
+              <a:defRPr sz="1600" b="1"/>
+            </a:lvl5pPr>
+            <a:lvl6pPr marL="2286000" indent="0">
+              <a:buNone/>
+              <a:defRPr sz="1600" b="1"/>
+            </a:lvl6pPr>
+            <a:lvl7pPr marL="2743200" indent="0">
+              <a:buNone/>
+              <a:defRPr sz="1600" b="1"/>
+            </a:lvl7pPr>
+            <a:lvl8pPr marL="3200400" indent="0">
+              <a:buNone/>
+              <a:defRPr sz="1600" b="1"/>
+            </a:lvl8pPr>
+            <a:lvl9pPr marL="3657600" indent="0">
+              <a:buNone/>
+              <a:defRPr sz="1600" b="1"/>
+            </a:lvl9pPr>
+          </a:lstStyle>
+          <a:p>
+            <a:pPr lvl="0"/>
+            <a:r>
+              <a:rPr lang="en-GB"/>
+              <a:t>Click to edit Master text styles</a:t>
+            </a:r>
+          </a:p>
+        </p:txBody>
+      </p:sp>
+      <p:sp>
+        <p:nvSpPr>
+          <p:cNvPr id="4" name="Content Placeholder 3"/>
+          <p:cNvSpPr>
+            <a:spLocks noGrp="1"/>
+          </p:cNvSpPr>
+          <p:nvPr>
+            <p:ph sz="half" idx="2"/>
+          </p:nvPr>
+        </p:nvSpPr>
+        <p:spPr>
+          <a:xfrm>
+            <a:off x="839788" y="2505075"/>
+            <a:ext cx="5157787" cy="3684588"/>
+          </a:xfrm>
+        </p:spPr>
+        <p:txBody>
+          <a:bodyPr/>
+          <a:lstStyle/>
+          <a:p>
+            <a:pPr lvl="0"/>
+            <a:r>
+              <a:rPr lang="en-GB"/>
+              <a:t>Click to edit Master text styles</a:t>
+            </a:r>
+          </a:p>
+          <a:p>
+            <a:pPr lvl="1"/>
+            <a:r>
+              <a:rPr lang="en-GB"/>
+              <a:t>Second level</a:t>
+            </a:r>
+          </a:p>
+          <a:p>
+            <a:pPr lvl="2"/>
+            <a:r>
+              <a:rPr lang="en-GB"/>
+              <a:t>Third level</a:t>
+            </a:r>
+          </a:p>
+          <a:p>
+            <a:pPr lvl="3"/>
+            <a:r>
+              <a:rPr lang="en-GB"/>
+              <a:t>Fourth level</a:t>
+            </a:r>
+          </a:p>
+          <a:p>
+            <a:pPr lvl="4"/>
+            <a:r>
+              <a:rPr lang="en-GB"/>
+              <a:t>Fifth level</a:t>
+            </a:r>
+            <a:endParaRPr lang="en-US" dirty="0"/>
+          </a:p>
+        </p:txBody>
+      </p:sp>
+      <p:sp>
+        <p:nvSpPr>
+          <p:cNvPr id="5" name="Text Placeholder 4"/>
+          <p:cNvSpPr>
+            <a:spLocks noGrp="1"/>
+          </p:cNvSpPr>
+          <p:nvPr>
+            <p:ph type="body" sz="quarter" idx="3"/>
+          </p:nvPr>
+        </p:nvSpPr>
+        <p:spPr>
+          <a:xfrm>
+            <a:off x="6172200" y="1681163"/>
+            <a:ext cx="5183188" cy="823912"/>
+          </a:xfrm>
+        </p:spPr>
+        <p:txBody>
+          <a:bodyPr anchor="b"/>
+          <a:lstStyle>
+            <a:lvl1pPr marL="0" indent="0">
+              <a:buNone/>
+              <a:defRPr sz="2400" b="1"/>
+            </a:lvl1pPr>
+            <a:lvl2pPr marL="457200" indent="0">
+              <a:buNone/>
+              <a:defRPr sz="2000" b="1"/>
+            </a:lvl2pPr>
+            <a:lvl3pPr marL="914400" indent="0">
+              <a:buNone/>
+              <a:defRPr sz="1800" b="1"/>
+            </a:lvl3pPr>
+            <a:lvl4pPr marL="1371600" indent="0">
+              <a:buNone/>
+              <a:defRPr sz="1600" b="1"/>
+            </a:lvl4pPr>
+            <a:lvl5pPr marL="1828800" indent="0">
+              <a:buNone/>
+              <a:defRPr sz="1600" b="1"/>
+            </a:lvl5pPr>
+            <a:lvl6pPr marL="2286000" indent="0">
+              <a:buNone/>
+              <a:defRPr sz="1600" b="1"/>
+            </a:lvl6pPr>
+            <a:lvl7pPr marL="2743200" indent="0">
+              <a:buNone/>
+              <a:defRPr sz="1600" b="1"/>
+            </a:lvl7pPr>
+            <a:lvl8pPr marL="3200400" indent="0">
+              <a:buNone/>
+              <a:defRPr sz="1600" b="1"/>
+            </a:lvl8pPr>
+            <a:lvl9pPr marL="3657600" indent="0">
+              <a:buNone/>
+              <a:defRPr sz="1600" b="1"/>
+            </a:lvl9pPr>
+          </a:lstStyle>
+          <a:p>
+            <a:pPr lvl="0"/>
+            <a:r>
+              <a:rPr lang="en-GB"/>
+              <a:t>Click to edit Master text styles</a:t>
+            </a:r>
+          </a:p>
+        </p:txBody>
+      </p:sp>
+      <p:sp>
+        <p:nvSpPr>
+          <p:cNvPr id="6" name="Content Placeholder 5"/>
+          <p:cNvSpPr>
+            <a:spLocks noGrp="1"/>
+          </p:cNvSpPr>
+          <p:nvPr>
+            <p:ph sz="quarter" idx="4"/>
+          </p:nvPr>
+        </p:nvSpPr>
+        <p:spPr>
+          <a:xfrm>
+            <a:off x="6172200" y="2505075"/>
+            <a:ext cx="5183188" cy="3684588"/>
+          </a:xfrm>
+        </p:spPr>
+        <p:txBody>
+          <a:bodyPr/>
+          <a:lstStyle/>
+          <a:p>
+            <a:pPr lvl="0"/>
+            <a:r>
+              <a:rPr lang="en-GB"/>
+              <a:t>Click to edit Master text styles</a:t>
+            </a:r>
+          </a:p>
+          <a:p>
+            <a:pPr lvl="1"/>
+            <a:r>
+              <a:rPr lang="en-GB"/>
+              <a:t>Second level</a:t>
+            </a:r>
+          </a:p>
+          <a:p>
+            <a:pPr lvl="2"/>
+            <a:r>
+              <a:rPr lang="en-GB"/>
+              <a:t>Third level</a:t>
+            </a:r>
+          </a:p>
+          <a:p>
+            <a:pPr lvl="3"/>
+            <a:r>
+              <a:rPr lang="en-GB"/>
+              <a:t>Fourth level</a:t>
+            </a:r>
+          </a:p>
+          <a:p>
+            <a:pPr lvl="4"/>
+            <a:r>
+              <a:rPr lang="en-GB"/>
+              <a:t>Fifth level</a:t>
+            </a:r>
+            <a:endParaRPr lang="en-US" dirty="0"/>
+          </a:p>
+        </p:txBody>
+      </p:sp>
+      <p:sp>
+        <p:nvSpPr>
+          <p:cNvPr id="7" name="Date Placeholder 6"/>
+          <p:cNvSpPr>
+            <a:spLocks noGrp="1"/>
+          </p:cNvSpPr>
+          <p:nvPr>
+            <p:ph type="dt" sz="half" idx="10"/>
+          </p:nvPr>
+        </p:nvSpPr>
+        <p:spPr/>
+        <p:txBody>
+          <a:bodyPr/>
+          <a:lstStyle/>
+          <a:p>
+            <a:fld id="{1F665E0F-2C79-824A-8A98-49943BAC75E9}" type="datetimeFigureOut">
+              <a:rPr lang="en-JP" smtClean="0"/>
+              <a:t>2021/07/05</a:t>
+            </a:fld>
+            <a:endParaRPr lang="en-JP"/>
+          </a:p>
+        </p:txBody>
+      </p:sp>
+      <p:sp>
+        <p:nvSpPr>
+          <p:cNvPr id="8" name="Footer Placeholder 7"/>
+          <p:cNvSpPr>
+            <a:spLocks noGrp="1"/>
+          </p:cNvSpPr>
+          <p:nvPr>
+            <p:ph type="ftr" sz="quarter" idx="11"/>
+          </p:nvPr>
+        </p:nvSpPr>
+        <p:spPr/>
+        <p:txBody>
+          <a:bodyPr/>
+          <a:lstStyle/>
+          <a:p>
+            <a:endParaRPr lang="en-JP"/>
+          </a:p>
+        </p:txBody>
+      </p:sp>
+      <p:sp>
+        <p:nvSpPr>
+          <p:cNvPr id="9" name="Slide Number Placeholder 8"/>
+          <p:cNvSpPr>
+            <a:spLocks noGrp="1"/>
+          </p:cNvSpPr>
+          <p:nvPr>
+            <p:ph type="sldNum" sz="quarter" idx="12"/>
+          </p:nvPr>
+        </p:nvSpPr>
+        <p:spPr>
+          <a:xfrm>
+            <a:off x="8610600" y="6356350"/>
+            <a:ext cx="2743200" cy="365125"/>
+          </a:xfrm>
+          <a:prstGeom prst="rect">
+            <a:avLst/>
+          </a:prstGeom>
+        </p:spPr>
+        <p:txBody>
+          <a:bodyPr/>
+          <a:lstStyle/>
+          <a:p>
+            <a:fld id="{3C268A41-CD3F-E248-BCF1-48894BBF8C28}" type="slidenum">
+              <a:rPr lang="en-JP" smtClean="0"/>
+              <a:t>‹#›</a:t>
+            </a:fld>
+            <a:endParaRPr lang="en-JP"/>
+          </a:p>
+        </p:txBody>
+      </p:sp>
+    </p:spTree>
+    <p:extLst>
+      <p:ext uri="{BB962C8B-B14F-4D97-AF65-F5344CB8AC3E}">
+        <p14:creationId xmlns:p14="http://schemas.microsoft.com/office/powerpoint/2010/main" val="2353979129"/>
+      </p:ext>
+    </p:extLst>
+  </p:cSld>
+  <p:clrMapOvr>
+    <a:masterClrMapping/>
+  </p:clrMapOvr>
+</p:sldLayout>
+</file>
+
+<file path=ppt/slideLayouts/slideLayout6.xml><?xml version="1.0" encoding="utf-8"?>
 <p:sldLayout xmlns:a="http://schemas.openxmlformats.org/drawingml/2006/main" xmlns:r="http://schemas.openxmlformats.org/officeDocument/2006/relationships" xmlns:p="http://schemas.openxmlformats.org/presentationml/2006/main" type="titleOnly" preserve="1">
   <p:cSld name="Title Only">
     <p:spTree>
@@ -733,7 +1783,7 @@
           <a:p>
             <a:fld id="{1F665E0F-2C79-824A-8A98-49943BAC75E9}" type="datetimeFigureOut">
               <a:rPr lang="en-JP" smtClean="0"/>
-              <a:t>2021/07/03</a:t>
+              <a:t>2021/07/05</a:t>
             </a:fld>
             <a:endParaRPr lang="en-JP"/>
           </a:p>
@@ -770,8 +1820,8 @@
         </p:nvSpPr>
         <p:spPr>
           <a:xfrm>
-            <a:off x="6457950" y="6356351"/>
-            <a:ext cx="2057400" cy="365125"/>
+            <a:off x="8610600" y="6356350"/>
+            <a:ext cx="2743200" cy="365125"/>
           </a:xfrm>
           <a:prstGeom prst="rect">
             <a:avLst/>
@@ -792,1052 +1842,7 @@
     </p:spTree>
     <p:extLst>
       <p:ext uri="{BB962C8B-B14F-4D97-AF65-F5344CB8AC3E}">
-        <p14:creationId xmlns:p14="http://schemas.microsoft.com/office/powerpoint/2010/main" val="2264384059"/>
-      </p:ext>
-    </p:extLst>
-  </p:cSld>
-  <p:clrMapOvr>
-    <a:masterClrMapping/>
-  </p:clrMapOvr>
-</p:sldLayout>
-</file>
-
-<file path=ppt/slideLayouts/slideLayout3.xml><?xml version="1.0" encoding="utf-8"?>
-<p:sldLayout xmlns:a="http://schemas.openxmlformats.org/drawingml/2006/main" xmlns:r="http://schemas.openxmlformats.org/officeDocument/2006/relationships" xmlns:p="http://schemas.openxmlformats.org/presentationml/2006/main" type="obj" preserve="1">
-  <p:cSld name="Title and Content">
-    <p:spTree>
-      <p:nvGrpSpPr>
-        <p:cNvPr id="1" name=""/>
-        <p:cNvGrpSpPr/>
-        <p:nvPr/>
-      </p:nvGrpSpPr>
-      <p:grpSpPr>
-        <a:xfrm>
-          <a:off x="0" y="0"/>
-          <a:ext cx="0" cy="0"/>
-          <a:chOff x="0" y="0"/>
-          <a:chExt cx="0" cy="0"/>
-        </a:xfrm>
-      </p:grpSpPr>
-      <p:sp>
-        <p:nvSpPr>
-          <p:cNvPr id="2" name="Title 1"/>
-          <p:cNvSpPr>
-            <a:spLocks noGrp="1"/>
-          </p:cNvSpPr>
-          <p:nvPr>
-            <p:ph type="title"/>
-          </p:nvPr>
-        </p:nvSpPr>
-        <p:spPr/>
-        <p:txBody>
-          <a:bodyPr/>
-          <a:lstStyle/>
-          <a:p>
-            <a:r>
-              <a:rPr lang="en-GB"/>
-              <a:t>Click to edit Master title style</a:t>
-            </a:r>
-            <a:endParaRPr lang="en-US" dirty="0"/>
-          </a:p>
-        </p:txBody>
-      </p:sp>
-      <p:sp>
-        <p:nvSpPr>
-          <p:cNvPr id="3" name="Content Placeholder 2"/>
-          <p:cNvSpPr>
-            <a:spLocks noGrp="1"/>
-          </p:cNvSpPr>
-          <p:nvPr>
-            <p:ph idx="1"/>
-          </p:nvPr>
-        </p:nvSpPr>
-        <p:spPr/>
-        <p:txBody>
-          <a:bodyPr/>
-          <a:lstStyle/>
-          <a:p>
-            <a:pPr lvl="0"/>
-            <a:r>
-              <a:rPr lang="en-GB"/>
-              <a:t>Click to edit Master text styles</a:t>
-            </a:r>
-          </a:p>
-          <a:p>
-            <a:pPr lvl="1"/>
-            <a:r>
-              <a:rPr lang="en-GB"/>
-              <a:t>Second level</a:t>
-            </a:r>
-          </a:p>
-          <a:p>
-            <a:pPr lvl="2"/>
-            <a:r>
-              <a:rPr lang="en-GB"/>
-              <a:t>Third level</a:t>
-            </a:r>
-          </a:p>
-          <a:p>
-            <a:pPr lvl="3"/>
-            <a:r>
-              <a:rPr lang="en-GB"/>
-              <a:t>Fourth level</a:t>
-            </a:r>
-          </a:p>
-          <a:p>
-            <a:pPr lvl="4"/>
-            <a:r>
-              <a:rPr lang="en-GB"/>
-              <a:t>Fifth level</a:t>
-            </a:r>
-            <a:endParaRPr lang="en-US" dirty="0"/>
-          </a:p>
-        </p:txBody>
-      </p:sp>
-      <p:sp>
-        <p:nvSpPr>
-          <p:cNvPr id="4" name="Date Placeholder 3"/>
-          <p:cNvSpPr>
-            <a:spLocks noGrp="1"/>
-          </p:cNvSpPr>
-          <p:nvPr>
-            <p:ph type="dt" sz="half" idx="10"/>
-          </p:nvPr>
-        </p:nvSpPr>
-        <p:spPr/>
-        <p:txBody>
-          <a:bodyPr/>
-          <a:lstStyle/>
-          <a:p>
-            <a:fld id="{1F665E0F-2C79-824A-8A98-49943BAC75E9}" type="datetimeFigureOut">
-              <a:rPr lang="en-JP" smtClean="0"/>
-              <a:t>2021/07/03</a:t>
-            </a:fld>
-            <a:endParaRPr lang="en-JP"/>
-          </a:p>
-        </p:txBody>
-      </p:sp>
-      <p:sp>
-        <p:nvSpPr>
-          <p:cNvPr id="5" name="Footer Placeholder 4"/>
-          <p:cNvSpPr>
-            <a:spLocks noGrp="1"/>
-          </p:cNvSpPr>
-          <p:nvPr>
-            <p:ph type="ftr" sz="quarter" idx="11"/>
-          </p:nvPr>
-        </p:nvSpPr>
-        <p:spPr/>
-        <p:txBody>
-          <a:bodyPr/>
-          <a:lstStyle/>
-          <a:p>
-            <a:endParaRPr lang="en-JP"/>
-          </a:p>
-        </p:txBody>
-      </p:sp>
-      <p:sp>
-        <p:nvSpPr>
-          <p:cNvPr id="6" name="Slide Number Placeholder 5"/>
-          <p:cNvSpPr>
-            <a:spLocks noGrp="1"/>
-          </p:cNvSpPr>
-          <p:nvPr>
-            <p:ph type="sldNum" sz="quarter" idx="12"/>
-          </p:nvPr>
-        </p:nvSpPr>
-        <p:spPr>
-          <a:xfrm>
-            <a:off x="6457950" y="6356351"/>
-            <a:ext cx="2057400" cy="365125"/>
-          </a:xfrm>
-          <a:prstGeom prst="rect">
-            <a:avLst/>
-          </a:prstGeom>
-        </p:spPr>
-        <p:txBody>
-          <a:bodyPr/>
-          <a:lstStyle/>
-          <a:p>
-            <a:fld id="{3C268A41-CD3F-E248-BCF1-48894BBF8C28}" type="slidenum">
-              <a:rPr lang="en-JP" smtClean="0"/>
-              <a:t>‹#›</a:t>
-            </a:fld>
-            <a:endParaRPr lang="en-JP"/>
-          </a:p>
-        </p:txBody>
-      </p:sp>
-    </p:spTree>
-    <p:extLst>
-      <p:ext uri="{BB962C8B-B14F-4D97-AF65-F5344CB8AC3E}">
-        <p14:creationId xmlns:p14="http://schemas.microsoft.com/office/powerpoint/2010/main" val="4056223165"/>
-      </p:ext>
-    </p:extLst>
-  </p:cSld>
-  <p:clrMapOvr>
-    <a:masterClrMapping/>
-  </p:clrMapOvr>
-</p:sldLayout>
-</file>
-
-<file path=ppt/slideLayouts/slideLayout4.xml><?xml version="1.0" encoding="utf-8"?>
-<p:sldLayout xmlns:a="http://schemas.openxmlformats.org/drawingml/2006/main" xmlns:r="http://schemas.openxmlformats.org/officeDocument/2006/relationships" xmlns:p="http://schemas.openxmlformats.org/presentationml/2006/main" type="secHead" preserve="1">
-  <p:cSld name="Section Header">
-    <p:spTree>
-      <p:nvGrpSpPr>
-        <p:cNvPr id="1" name=""/>
-        <p:cNvGrpSpPr/>
-        <p:nvPr/>
-      </p:nvGrpSpPr>
-      <p:grpSpPr>
-        <a:xfrm>
-          <a:off x="0" y="0"/>
-          <a:ext cx="0" cy="0"/>
-          <a:chOff x="0" y="0"/>
-          <a:chExt cx="0" cy="0"/>
-        </a:xfrm>
-      </p:grpSpPr>
-      <p:sp>
-        <p:nvSpPr>
-          <p:cNvPr id="2" name="Title 1"/>
-          <p:cNvSpPr>
-            <a:spLocks noGrp="1"/>
-          </p:cNvSpPr>
-          <p:nvPr>
-            <p:ph type="title"/>
-          </p:nvPr>
-        </p:nvSpPr>
-        <p:spPr>
-          <a:xfrm>
-            <a:off x="623888" y="1709739"/>
-            <a:ext cx="7886700" cy="2852737"/>
-          </a:xfrm>
-        </p:spPr>
-        <p:txBody>
-          <a:bodyPr anchor="b"/>
-          <a:lstStyle>
-            <a:lvl1pPr>
-              <a:defRPr sz="6000"/>
-            </a:lvl1pPr>
-          </a:lstStyle>
-          <a:p>
-            <a:r>
-              <a:rPr lang="en-GB"/>
-              <a:t>Click to edit Master title style</a:t>
-            </a:r>
-            <a:endParaRPr lang="en-US" dirty="0"/>
-          </a:p>
-        </p:txBody>
-      </p:sp>
-      <p:sp>
-        <p:nvSpPr>
-          <p:cNvPr id="3" name="Text Placeholder 2"/>
-          <p:cNvSpPr>
-            <a:spLocks noGrp="1"/>
-          </p:cNvSpPr>
-          <p:nvPr>
-            <p:ph type="body" idx="1"/>
-          </p:nvPr>
-        </p:nvSpPr>
-        <p:spPr>
-          <a:xfrm>
-            <a:off x="623888" y="4589464"/>
-            <a:ext cx="7886700" cy="1500187"/>
-          </a:xfrm>
-        </p:spPr>
-        <p:txBody>
-          <a:bodyPr/>
-          <a:lstStyle>
-            <a:lvl1pPr marL="0" indent="0">
-              <a:buNone/>
-              <a:defRPr sz="2400">
-                <a:solidFill>
-                  <a:schemeClr val="tx1"/>
-                </a:solidFill>
-              </a:defRPr>
-            </a:lvl1pPr>
-            <a:lvl2pPr marL="457200" indent="0">
-              <a:buNone/>
-              <a:defRPr sz="2000">
-                <a:solidFill>
-                  <a:schemeClr val="tx1">
-                    <a:tint val="75000"/>
-                  </a:schemeClr>
-                </a:solidFill>
-              </a:defRPr>
-            </a:lvl2pPr>
-            <a:lvl3pPr marL="914400" indent="0">
-              <a:buNone/>
-              <a:defRPr sz="1800">
-                <a:solidFill>
-                  <a:schemeClr val="tx1">
-                    <a:tint val="75000"/>
-                  </a:schemeClr>
-                </a:solidFill>
-              </a:defRPr>
-            </a:lvl3pPr>
-            <a:lvl4pPr marL="1371600" indent="0">
-              <a:buNone/>
-              <a:defRPr sz="1600">
-                <a:solidFill>
-                  <a:schemeClr val="tx1">
-                    <a:tint val="75000"/>
-                  </a:schemeClr>
-                </a:solidFill>
-              </a:defRPr>
-            </a:lvl4pPr>
-            <a:lvl5pPr marL="1828800" indent="0">
-              <a:buNone/>
-              <a:defRPr sz="1600">
-                <a:solidFill>
-                  <a:schemeClr val="tx1">
-                    <a:tint val="75000"/>
-                  </a:schemeClr>
-                </a:solidFill>
-              </a:defRPr>
-            </a:lvl5pPr>
-            <a:lvl6pPr marL="2286000" indent="0">
-              <a:buNone/>
-              <a:defRPr sz="1600">
-                <a:solidFill>
-                  <a:schemeClr val="tx1">
-                    <a:tint val="75000"/>
-                  </a:schemeClr>
-                </a:solidFill>
-              </a:defRPr>
-            </a:lvl6pPr>
-            <a:lvl7pPr marL="2743200" indent="0">
-              <a:buNone/>
-              <a:defRPr sz="1600">
-                <a:solidFill>
-                  <a:schemeClr val="tx1">
-                    <a:tint val="75000"/>
-                  </a:schemeClr>
-                </a:solidFill>
-              </a:defRPr>
-            </a:lvl7pPr>
-            <a:lvl8pPr marL="3200400" indent="0">
-              <a:buNone/>
-              <a:defRPr sz="1600">
-                <a:solidFill>
-                  <a:schemeClr val="tx1">
-                    <a:tint val="75000"/>
-                  </a:schemeClr>
-                </a:solidFill>
-              </a:defRPr>
-            </a:lvl8pPr>
-            <a:lvl9pPr marL="3657600" indent="0">
-              <a:buNone/>
-              <a:defRPr sz="1600">
-                <a:solidFill>
-                  <a:schemeClr val="tx1">
-                    <a:tint val="75000"/>
-                  </a:schemeClr>
-                </a:solidFill>
-              </a:defRPr>
-            </a:lvl9pPr>
-          </a:lstStyle>
-          <a:p>
-            <a:pPr lvl="0"/>
-            <a:r>
-              <a:rPr lang="en-GB"/>
-              <a:t>Click to edit Master text styles</a:t>
-            </a:r>
-          </a:p>
-        </p:txBody>
-      </p:sp>
-      <p:sp>
-        <p:nvSpPr>
-          <p:cNvPr id="4" name="Date Placeholder 3"/>
-          <p:cNvSpPr>
-            <a:spLocks noGrp="1"/>
-          </p:cNvSpPr>
-          <p:nvPr>
-            <p:ph type="dt" sz="half" idx="10"/>
-          </p:nvPr>
-        </p:nvSpPr>
-        <p:spPr/>
-        <p:txBody>
-          <a:bodyPr/>
-          <a:lstStyle/>
-          <a:p>
-            <a:fld id="{1F665E0F-2C79-824A-8A98-49943BAC75E9}" type="datetimeFigureOut">
-              <a:rPr lang="en-JP" smtClean="0"/>
-              <a:t>2021/07/03</a:t>
-            </a:fld>
-            <a:endParaRPr lang="en-JP"/>
-          </a:p>
-        </p:txBody>
-      </p:sp>
-      <p:sp>
-        <p:nvSpPr>
-          <p:cNvPr id="5" name="Footer Placeholder 4"/>
-          <p:cNvSpPr>
-            <a:spLocks noGrp="1"/>
-          </p:cNvSpPr>
-          <p:nvPr>
-            <p:ph type="ftr" sz="quarter" idx="11"/>
-          </p:nvPr>
-        </p:nvSpPr>
-        <p:spPr/>
-        <p:txBody>
-          <a:bodyPr/>
-          <a:lstStyle/>
-          <a:p>
-            <a:endParaRPr lang="en-JP"/>
-          </a:p>
-        </p:txBody>
-      </p:sp>
-      <p:sp>
-        <p:nvSpPr>
-          <p:cNvPr id="6" name="Slide Number Placeholder 5"/>
-          <p:cNvSpPr>
-            <a:spLocks noGrp="1"/>
-          </p:cNvSpPr>
-          <p:nvPr>
-            <p:ph type="sldNum" sz="quarter" idx="12"/>
-          </p:nvPr>
-        </p:nvSpPr>
-        <p:spPr>
-          <a:xfrm>
-            <a:off x="6457950" y="6356351"/>
-            <a:ext cx="2057400" cy="365125"/>
-          </a:xfrm>
-          <a:prstGeom prst="rect">
-            <a:avLst/>
-          </a:prstGeom>
-        </p:spPr>
-        <p:txBody>
-          <a:bodyPr/>
-          <a:lstStyle/>
-          <a:p>
-            <a:fld id="{3C268A41-CD3F-E248-BCF1-48894BBF8C28}" type="slidenum">
-              <a:rPr lang="en-JP" smtClean="0"/>
-              <a:t>‹#›</a:t>
-            </a:fld>
-            <a:endParaRPr lang="en-JP"/>
-          </a:p>
-        </p:txBody>
-      </p:sp>
-    </p:spTree>
-    <p:extLst>
-      <p:ext uri="{BB962C8B-B14F-4D97-AF65-F5344CB8AC3E}">
-        <p14:creationId xmlns:p14="http://schemas.microsoft.com/office/powerpoint/2010/main" val="2781414770"/>
-      </p:ext>
-    </p:extLst>
-  </p:cSld>
-  <p:clrMapOvr>
-    <a:masterClrMapping/>
-  </p:clrMapOvr>
-</p:sldLayout>
-</file>
-
-<file path=ppt/slideLayouts/slideLayout5.xml><?xml version="1.0" encoding="utf-8"?>
-<p:sldLayout xmlns:a="http://schemas.openxmlformats.org/drawingml/2006/main" xmlns:r="http://schemas.openxmlformats.org/officeDocument/2006/relationships" xmlns:p="http://schemas.openxmlformats.org/presentationml/2006/main" type="twoObj" preserve="1">
-  <p:cSld name="Two Content">
-    <p:spTree>
-      <p:nvGrpSpPr>
-        <p:cNvPr id="1" name=""/>
-        <p:cNvGrpSpPr/>
-        <p:nvPr/>
-      </p:nvGrpSpPr>
-      <p:grpSpPr>
-        <a:xfrm>
-          <a:off x="0" y="0"/>
-          <a:ext cx="0" cy="0"/>
-          <a:chOff x="0" y="0"/>
-          <a:chExt cx="0" cy="0"/>
-        </a:xfrm>
-      </p:grpSpPr>
-      <p:sp>
-        <p:nvSpPr>
-          <p:cNvPr id="2" name="Title 1"/>
-          <p:cNvSpPr>
-            <a:spLocks noGrp="1"/>
-          </p:cNvSpPr>
-          <p:nvPr>
-            <p:ph type="title"/>
-          </p:nvPr>
-        </p:nvSpPr>
-        <p:spPr/>
-        <p:txBody>
-          <a:bodyPr/>
-          <a:lstStyle/>
-          <a:p>
-            <a:r>
-              <a:rPr lang="en-GB"/>
-              <a:t>Click to edit Master title style</a:t>
-            </a:r>
-            <a:endParaRPr lang="en-US" dirty="0"/>
-          </a:p>
-        </p:txBody>
-      </p:sp>
-      <p:sp>
-        <p:nvSpPr>
-          <p:cNvPr id="3" name="Content Placeholder 2"/>
-          <p:cNvSpPr>
-            <a:spLocks noGrp="1"/>
-          </p:cNvSpPr>
-          <p:nvPr>
-            <p:ph sz="half" idx="1"/>
-          </p:nvPr>
-        </p:nvSpPr>
-        <p:spPr>
-          <a:xfrm>
-            <a:off x="628650" y="1825625"/>
-            <a:ext cx="3886200" cy="4351338"/>
-          </a:xfrm>
-        </p:spPr>
-        <p:txBody>
-          <a:bodyPr/>
-          <a:lstStyle/>
-          <a:p>
-            <a:pPr lvl="0"/>
-            <a:r>
-              <a:rPr lang="en-GB"/>
-              <a:t>Click to edit Master text styles</a:t>
-            </a:r>
-          </a:p>
-          <a:p>
-            <a:pPr lvl="1"/>
-            <a:r>
-              <a:rPr lang="en-GB"/>
-              <a:t>Second level</a:t>
-            </a:r>
-          </a:p>
-          <a:p>
-            <a:pPr lvl="2"/>
-            <a:r>
-              <a:rPr lang="en-GB"/>
-              <a:t>Third level</a:t>
-            </a:r>
-          </a:p>
-          <a:p>
-            <a:pPr lvl="3"/>
-            <a:r>
-              <a:rPr lang="en-GB"/>
-              <a:t>Fourth level</a:t>
-            </a:r>
-          </a:p>
-          <a:p>
-            <a:pPr lvl="4"/>
-            <a:r>
-              <a:rPr lang="en-GB"/>
-              <a:t>Fifth level</a:t>
-            </a:r>
-            <a:endParaRPr lang="en-US" dirty="0"/>
-          </a:p>
-        </p:txBody>
-      </p:sp>
-      <p:sp>
-        <p:nvSpPr>
-          <p:cNvPr id="4" name="Content Placeholder 3"/>
-          <p:cNvSpPr>
-            <a:spLocks noGrp="1"/>
-          </p:cNvSpPr>
-          <p:nvPr>
-            <p:ph sz="half" idx="2"/>
-          </p:nvPr>
-        </p:nvSpPr>
-        <p:spPr>
-          <a:xfrm>
-            <a:off x="4629150" y="1825625"/>
-            <a:ext cx="3886200" cy="4351338"/>
-          </a:xfrm>
-        </p:spPr>
-        <p:txBody>
-          <a:bodyPr/>
-          <a:lstStyle/>
-          <a:p>
-            <a:pPr lvl="0"/>
-            <a:r>
-              <a:rPr lang="en-GB"/>
-              <a:t>Click to edit Master text styles</a:t>
-            </a:r>
-          </a:p>
-          <a:p>
-            <a:pPr lvl="1"/>
-            <a:r>
-              <a:rPr lang="en-GB"/>
-              <a:t>Second level</a:t>
-            </a:r>
-          </a:p>
-          <a:p>
-            <a:pPr lvl="2"/>
-            <a:r>
-              <a:rPr lang="en-GB"/>
-              <a:t>Third level</a:t>
-            </a:r>
-          </a:p>
-          <a:p>
-            <a:pPr lvl="3"/>
-            <a:r>
-              <a:rPr lang="en-GB"/>
-              <a:t>Fourth level</a:t>
-            </a:r>
-          </a:p>
-          <a:p>
-            <a:pPr lvl="4"/>
-            <a:r>
-              <a:rPr lang="en-GB"/>
-              <a:t>Fifth level</a:t>
-            </a:r>
-            <a:endParaRPr lang="en-US" dirty="0"/>
-          </a:p>
-        </p:txBody>
-      </p:sp>
-      <p:sp>
-        <p:nvSpPr>
-          <p:cNvPr id="5" name="Date Placeholder 4"/>
-          <p:cNvSpPr>
-            <a:spLocks noGrp="1"/>
-          </p:cNvSpPr>
-          <p:nvPr>
-            <p:ph type="dt" sz="half" idx="10"/>
-          </p:nvPr>
-        </p:nvSpPr>
-        <p:spPr/>
-        <p:txBody>
-          <a:bodyPr/>
-          <a:lstStyle/>
-          <a:p>
-            <a:fld id="{1F665E0F-2C79-824A-8A98-49943BAC75E9}" type="datetimeFigureOut">
-              <a:rPr lang="en-JP" smtClean="0"/>
-              <a:t>2021/07/03</a:t>
-            </a:fld>
-            <a:endParaRPr lang="en-JP"/>
-          </a:p>
-        </p:txBody>
-      </p:sp>
-      <p:sp>
-        <p:nvSpPr>
-          <p:cNvPr id="6" name="Footer Placeholder 5"/>
-          <p:cNvSpPr>
-            <a:spLocks noGrp="1"/>
-          </p:cNvSpPr>
-          <p:nvPr>
-            <p:ph type="ftr" sz="quarter" idx="11"/>
-          </p:nvPr>
-        </p:nvSpPr>
-        <p:spPr/>
-        <p:txBody>
-          <a:bodyPr/>
-          <a:lstStyle/>
-          <a:p>
-            <a:endParaRPr lang="en-JP"/>
-          </a:p>
-        </p:txBody>
-      </p:sp>
-      <p:sp>
-        <p:nvSpPr>
-          <p:cNvPr id="7" name="Slide Number Placeholder 6"/>
-          <p:cNvSpPr>
-            <a:spLocks noGrp="1"/>
-          </p:cNvSpPr>
-          <p:nvPr>
-            <p:ph type="sldNum" sz="quarter" idx="12"/>
-          </p:nvPr>
-        </p:nvSpPr>
-        <p:spPr>
-          <a:xfrm>
-            <a:off x="6457950" y="6356351"/>
-            <a:ext cx="2057400" cy="365125"/>
-          </a:xfrm>
-          <a:prstGeom prst="rect">
-            <a:avLst/>
-          </a:prstGeom>
-        </p:spPr>
-        <p:txBody>
-          <a:bodyPr/>
-          <a:lstStyle/>
-          <a:p>
-            <a:fld id="{3C268A41-CD3F-E248-BCF1-48894BBF8C28}" type="slidenum">
-              <a:rPr lang="en-JP" smtClean="0"/>
-              <a:t>‹#›</a:t>
-            </a:fld>
-            <a:endParaRPr lang="en-JP"/>
-          </a:p>
-        </p:txBody>
-      </p:sp>
-    </p:spTree>
-    <p:extLst>
-      <p:ext uri="{BB962C8B-B14F-4D97-AF65-F5344CB8AC3E}">
-        <p14:creationId xmlns:p14="http://schemas.microsoft.com/office/powerpoint/2010/main" val="1414095295"/>
-      </p:ext>
-    </p:extLst>
-  </p:cSld>
-  <p:clrMapOvr>
-    <a:masterClrMapping/>
-  </p:clrMapOvr>
-</p:sldLayout>
-</file>
-
-<file path=ppt/slideLayouts/slideLayout6.xml><?xml version="1.0" encoding="utf-8"?>
-<p:sldLayout xmlns:a="http://schemas.openxmlformats.org/drawingml/2006/main" xmlns:r="http://schemas.openxmlformats.org/officeDocument/2006/relationships" xmlns:p="http://schemas.openxmlformats.org/presentationml/2006/main" type="twoTxTwoObj" preserve="1">
-  <p:cSld name="Comparison">
-    <p:spTree>
-      <p:nvGrpSpPr>
-        <p:cNvPr id="1" name=""/>
-        <p:cNvGrpSpPr/>
-        <p:nvPr/>
-      </p:nvGrpSpPr>
-      <p:grpSpPr>
-        <a:xfrm>
-          <a:off x="0" y="0"/>
-          <a:ext cx="0" cy="0"/>
-          <a:chOff x="0" y="0"/>
-          <a:chExt cx="0" cy="0"/>
-        </a:xfrm>
-      </p:grpSpPr>
-      <p:sp>
-        <p:nvSpPr>
-          <p:cNvPr id="2" name="Title 1"/>
-          <p:cNvSpPr>
-            <a:spLocks noGrp="1"/>
-          </p:cNvSpPr>
-          <p:nvPr>
-            <p:ph type="title"/>
-          </p:nvPr>
-        </p:nvSpPr>
-        <p:spPr>
-          <a:xfrm>
-            <a:off x="629841" y="365126"/>
-            <a:ext cx="7886700" cy="1325563"/>
-          </a:xfrm>
-        </p:spPr>
-        <p:txBody>
-          <a:bodyPr/>
-          <a:lstStyle/>
-          <a:p>
-            <a:r>
-              <a:rPr lang="en-GB"/>
-              <a:t>Click to edit Master title style</a:t>
-            </a:r>
-            <a:endParaRPr lang="en-US" dirty="0"/>
-          </a:p>
-        </p:txBody>
-      </p:sp>
-      <p:sp>
-        <p:nvSpPr>
-          <p:cNvPr id="3" name="Text Placeholder 2"/>
-          <p:cNvSpPr>
-            <a:spLocks noGrp="1"/>
-          </p:cNvSpPr>
-          <p:nvPr>
-            <p:ph type="body" idx="1"/>
-          </p:nvPr>
-        </p:nvSpPr>
-        <p:spPr>
-          <a:xfrm>
-            <a:off x="629842" y="1681163"/>
-            <a:ext cx="3868340" cy="823912"/>
-          </a:xfrm>
-        </p:spPr>
-        <p:txBody>
-          <a:bodyPr anchor="b"/>
-          <a:lstStyle>
-            <a:lvl1pPr marL="0" indent="0">
-              <a:buNone/>
-              <a:defRPr sz="2400" b="1"/>
-            </a:lvl1pPr>
-            <a:lvl2pPr marL="457200" indent="0">
-              <a:buNone/>
-              <a:defRPr sz="2000" b="1"/>
-            </a:lvl2pPr>
-            <a:lvl3pPr marL="914400" indent="0">
-              <a:buNone/>
-              <a:defRPr sz="1800" b="1"/>
-            </a:lvl3pPr>
-            <a:lvl4pPr marL="1371600" indent="0">
-              <a:buNone/>
-              <a:defRPr sz="1600" b="1"/>
-            </a:lvl4pPr>
-            <a:lvl5pPr marL="1828800" indent="0">
-              <a:buNone/>
-              <a:defRPr sz="1600" b="1"/>
-            </a:lvl5pPr>
-            <a:lvl6pPr marL="2286000" indent="0">
-              <a:buNone/>
-              <a:defRPr sz="1600" b="1"/>
-            </a:lvl6pPr>
-            <a:lvl7pPr marL="2743200" indent="0">
-              <a:buNone/>
-              <a:defRPr sz="1600" b="1"/>
-            </a:lvl7pPr>
-            <a:lvl8pPr marL="3200400" indent="0">
-              <a:buNone/>
-              <a:defRPr sz="1600" b="1"/>
-            </a:lvl8pPr>
-            <a:lvl9pPr marL="3657600" indent="0">
-              <a:buNone/>
-              <a:defRPr sz="1600" b="1"/>
-            </a:lvl9pPr>
-          </a:lstStyle>
-          <a:p>
-            <a:pPr lvl="0"/>
-            <a:r>
-              <a:rPr lang="en-GB"/>
-              <a:t>Click to edit Master text styles</a:t>
-            </a:r>
-          </a:p>
-        </p:txBody>
-      </p:sp>
-      <p:sp>
-        <p:nvSpPr>
-          <p:cNvPr id="4" name="Content Placeholder 3"/>
-          <p:cNvSpPr>
-            <a:spLocks noGrp="1"/>
-          </p:cNvSpPr>
-          <p:nvPr>
-            <p:ph sz="half" idx="2"/>
-          </p:nvPr>
-        </p:nvSpPr>
-        <p:spPr>
-          <a:xfrm>
-            <a:off x="629842" y="2505075"/>
-            <a:ext cx="3868340" cy="3684588"/>
-          </a:xfrm>
-        </p:spPr>
-        <p:txBody>
-          <a:bodyPr/>
-          <a:lstStyle/>
-          <a:p>
-            <a:pPr lvl="0"/>
-            <a:r>
-              <a:rPr lang="en-GB"/>
-              <a:t>Click to edit Master text styles</a:t>
-            </a:r>
-          </a:p>
-          <a:p>
-            <a:pPr lvl="1"/>
-            <a:r>
-              <a:rPr lang="en-GB"/>
-              <a:t>Second level</a:t>
-            </a:r>
-          </a:p>
-          <a:p>
-            <a:pPr lvl="2"/>
-            <a:r>
-              <a:rPr lang="en-GB"/>
-              <a:t>Third level</a:t>
-            </a:r>
-          </a:p>
-          <a:p>
-            <a:pPr lvl="3"/>
-            <a:r>
-              <a:rPr lang="en-GB"/>
-              <a:t>Fourth level</a:t>
-            </a:r>
-          </a:p>
-          <a:p>
-            <a:pPr lvl="4"/>
-            <a:r>
-              <a:rPr lang="en-GB"/>
-              <a:t>Fifth level</a:t>
-            </a:r>
-            <a:endParaRPr lang="en-US" dirty="0"/>
-          </a:p>
-        </p:txBody>
-      </p:sp>
-      <p:sp>
-        <p:nvSpPr>
-          <p:cNvPr id="5" name="Text Placeholder 4"/>
-          <p:cNvSpPr>
-            <a:spLocks noGrp="1"/>
-          </p:cNvSpPr>
-          <p:nvPr>
-            <p:ph type="body" sz="quarter" idx="3"/>
-          </p:nvPr>
-        </p:nvSpPr>
-        <p:spPr>
-          <a:xfrm>
-            <a:off x="4629150" y="1681163"/>
-            <a:ext cx="3887391" cy="823912"/>
-          </a:xfrm>
-        </p:spPr>
-        <p:txBody>
-          <a:bodyPr anchor="b"/>
-          <a:lstStyle>
-            <a:lvl1pPr marL="0" indent="0">
-              <a:buNone/>
-              <a:defRPr sz="2400" b="1"/>
-            </a:lvl1pPr>
-            <a:lvl2pPr marL="457200" indent="0">
-              <a:buNone/>
-              <a:defRPr sz="2000" b="1"/>
-            </a:lvl2pPr>
-            <a:lvl3pPr marL="914400" indent="0">
-              <a:buNone/>
-              <a:defRPr sz="1800" b="1"/>
-            </a:lvl3pPr>
-            <a:lvl4pPr marL="1371600" indent="0">
-              <a:buNone/>
-              <a:defRPr sz="1600" b="1"/>
-            </a:lvl4pPr>
-            <a:lvl5pPr marL="1828800" indent="0">
-              <a:buNone/>
-              <a:defRPr sz="1600" b="1"/>
-            </a:lvl5pPr>
-            <a:lvl6pPr marL="2286000" indent="0">
-              <a:buNone/>
-              <a:defRPr sz="1600" b="1"/>
-            </a:lvl6pPr>
-            <a:lvl7pPr marL="2743200" indent="0">
-              <a:buNone/>
-              <a:defRPr sz="1600" b="1"/>
-            </a:lvl7pPr>
-            <a:lvl8pPr marL="3200400" indent="0">
-              <a:buNone/>
-              <a:defRPr sz="1600" b="1"/>
-            </a:lvl8pPr>
-            <a:lvl9pPr marL="3657600" indent="0">
-              <a:buNone/>
-              <a:defRPr sz="1600" b="1"/>
-            </a:lvl9pPr>
-          </a:lstStyle>
-          <a:p>
-            <a:pPr lvl="0"/>
-            <a:r>
-              <a:rPr lang="en-GB"/>
-              <a:t>Click to edit Master text styles</a:t>
-            </a:r>
-          </a:p>
-        </p:txBody>
-      </p:sp>
-      <p:sp>
-        <p:nvSpPr>
-          <p:cNvPr id="6" name="Content Placeholder 5"/>
-          <p:cNvSpPr>
-            <a:spLocks noGrp="1"/>
-          </p:cNvSpPr>
-          <p:nvPr>
-            <p:ph sz="quarter" idx="4"/>
-          </p:nvPr>
-        </p:nvSpPr>
-        <p:spPr>
-          <a:xfrm>
-            <a:off x="4629150" y="2505075"/>
-            <a:ext cx="3887391" cy="3684588"/>
-          </a:xfrm>
-        </p:spPr>
-        <p:txBody>
-          <a:bodyPr/>
-          <a:lstStyle/>
-          <a:p>
-            <a:pPr lvl="0"/>
-            <a:r>
-              <a:rPr lang="en-GB"/>
-              <a:t>Click to edit Master text styles</a:t>
-            </a:r>
-          </a:p>
-          <a:p>
-            <a:pPr lvl="1"/>
-            <a:r>
-              <a:rPr lang="en-GB"/>
-              <a:t>Second level</a:t>
-            </a:r>
-          </a:p>
-          <a:p>
-            <a:pPr lvl="2"/>
-            <a:r>
-              <a:rPr lang="en-GB"/>
-              <a:t>Third level</a:t>
-            </a:r>
-          </a:p>
-          <a:p>
-            <a:pPr lvl="3"/>
-            <a:r>
-              <a:rPr lang="en-GB"/>
-              <a:t>Fourth level</a:t>
-            </a:r>
-          </a:p>
-          <a:p>
-            <a:pPr lvl="4"/>
-            <a:r>
-              <a:rPr lang="en-GB"/>
-              <a:t>Fifth level</a:t>
-            </a:r>
-            <a:endParaRPr lang="en-US" dirty="0"/>
-          </a:p>
-        </p:txBody>
-      </p:sp>
-      <p:sp>
-        <p:nvSpPr>
-          <p:cNvPr id="7" name="Date Placeholder 6"/>
-          <p:cNvSpPr>
-            <a:spLocks noGrp="1"/>
-          </p:cNvSpPr>
-          <p:nvPr>
-            <p:ph type="dt" sz="half" idx="10"/>
-          </p:nvPr>
-        </p:nvSpPr>
-        <p:spPr/>
-        <p:txBody>
-          <a:bodyPr/>
-          <a:lstStyle/>
-          <a:p>
-            <a:fld id="{1F665E0F-2C79-824A-8A98-49943BAC75E9}" type="datetimeFigureOut">
-              <a:rPr lang="en-JP" smtClean="0"/>
-              <a:t>2021/07/03</a:t>
-            </a:fld>
-            <a:endParaRPr lang="en-JP"/>
-          </a:p>
-        </p:txBody>
-      </p:sp>
-      <p:sp>
-        <p:nvSpPr>
-          <p:cNvPr id="8" name="Footer Placeholder 7"/>
-          <p:cNvSpPr>
-            <a:spLocks noGrp="1"/>
-          </p:cNvSpPr>
-          <p:nvPr>
-            <p:ph type="ftr" sz="quarter" idx="11"/>
-          </p:nvPr>
-        </p:nvSpPr>
-        <p:spPr/>
-        <p:txBody>
-          <a:bodyPr/>
-          <a:lstStyle/>
-          <a:p>
-            <a:endParaRPr lang="en-JP"/>
-          </a:p>
-        </p:txBody>
-      </p:sp>
-      <p:sp>
-        <p:nvSpPr>
-          <p:cNvPr id="9" name="Slide Number Placeholder 8"/>
-          <p:cNvSpPr>
-            <a:spLocks noGrp="1"/>
-          </p:cNvSpPr>
-          <p:nvPr>
-            <p:ph type="sldNum" sz="quarter" idx="12"/>
-          </p:nvPr>
-        </p:nvSpPr>
-        <p:spPr>
-          <a:xfrm>
-            <a:off x="6457950" y="6356351"/>
-            <a:ext cx="2057400" cy="365125"/>
-          </a:xfrm>
-          <a:prstGeom prst="rect">
-            <a:avLst/>
-          </a:prstGeom>
-        </p:spPr>
-        <p:txBody>
-          <a:bodyPr/>
-          <a:lstStyle/>
-          <a:p>
-            <a:fld id="{3C268A41-CD3F-E248-BCF1-48894BBF8C28}" type="slidenum">
-              <a:rPr lang="en-JP" smtClean="0"/>
-              <a:t>‹#›</a:t>
-            </a:fld>
-            <a:endParaRPr lang="en-JP"/>
-          </a:p>
-        </p:txBody>
-      </p:sp>
-    </p:spTree>
-    <p:extLst>
-      <p:ext uri="{BB962C8B-B14F-4D97-AF65-F5344CB8AC3E}">
-        <p14:creationId xmlns:p14="http://schemas.microsoft.com/office/powerpoint/2010/main" val="3891907030"/>
+        <p14:creationId xmlns:p14="http://schemas.microsoft.com/office/powerpoint/2010/main" val="240113642"/>
       </p:ext>
     </p:extLst>
   </p:cSld>
@@ -1881,7 +1886,7 @@
           <a:p>
             <a:fld id="{1F665E0F-2C79-824A-8A98-49943BAC75E9}" type="datetimeFigureOut">
               <a:rPr lang="en-JP" smtClean="0"/>
-              <a:t>2021/07/03</a:t>
+              <a:t>2021/07/05</a:t>
             </a:fld>
             <a:endParaRPr lang="en-JP"/>
           </a:p>
@@ -1918,8 +1923,8 @@
         </p:nvSpPr>
         <p:spPr>
           <a:xfrm>
-            <a:off x="6457950" y="6356351"/>
-            <a:ext cx="2057400" cy="365125"/>
+            <a:off x="8610600" y="6356350"/>
+            <a:ext cx="2743200" cy="365125"/>
           </a:xfrm>
           <a:prstGeom prst="rect">
             <a:avLst/>
@@ -1940,7 +1945,7 @@
     </p:spTree>
     <p:extLst>
       <p:ext uri="{BB962C8B-B14F-4D97-AF65-F5344CB8AC3E}">
-        <p14:creationId xmlns:p14="http://schemas.microsoft.com/office/powerpoint/2010/main" val="2803259227"/>
+        <p14:creationId xmlns:p14="http://schemas.microsoft.com/office/powerpoint/2010/main" val="3196788347"/>
       </p:ext>
     </p:extLst>
   </p:cSld>
@@ -1979,8 +1984,8 @@
         </p:nvSpPr>
         <p:spPr>
           <a:xfrm>
-            <a:off x="629841" y="457200"/>
-            <a:ext cx="2949178" cy="1600200"/>
+            <a:off x="839788" y="457200"/>
+            <a:ext cx="3932237" cy="1600200"/>
           </a:xfrm>
         </p:spPr>
         <p:txBody>
@@ -2011,8 +2016,8 @@
         </p:nvSpPr>
         <p:spPr>
           <a:xfrm>
-            <a:off x="3887391" y="987426"/>
-            <a:ext cx="4629150" cy="4873625"/>
+            <a:off x="5183188" y="987425"/>
+            <a:ext cx="6172200" cy="4873625"/>
           </a:xfrm>
         </p:spPr>
         <p:txBody>
@@ -2096,8 +2101,8 @@
         </p:nvSpPr>
         <p:spPr>
           <a:xfrm>
-            <a:off x="629841" y="2057400"/>
-            <a:ext cx="2949178" cy="3811588"/>
+            <a:off x="839788" y="2057400"/>
+            <a:ext cx="3932237" cy="3811588"/>
           </a:xfrm>
         </p:spPr>
         <p:txBody>
@@ -2166,7 +2171,7 @@
           <a:p>
             <a:fld id="{1F665E0F-2C79-824A-8A98-49943BAC75E9}" type="datetimeFigureOut">
               <a:rPr lang="en-JP" smtClean="0"/>
-              <a:t>2021/07/03</a:t>
+              <a:t>2021/07/05</a:t>
             </a:fld>
             <a:endParaRPr lang="en-JP"/>
           </a:p>
@@ -2203,8 +2208,8 @@
         </p:nvSpPr>
         <p:spPr>
           <a:xfrm>
-            <a:off x="6457950" y="6356351"/>
-            <a:ext cx="2057400" cy="365125"/>
+            <a:off x="8610600" y="6356350"/>
+            <a:ext cx="2743200" cy="365125"/>
           </a:xfrm>
           <a:prstGeom prst="rect">
             <a:avLst/>
@@ -2225,7 +2230,7 @@
     </p:spTree>
     <p:extLst>
       <p:ext uri="{BB962C8B-B14F-4D97-AF65-F5344CB8AC3E}">
-        <p14:creationId xmlns:p14="http://schemas.microsoft.com/office/powerpoint/2010/main" val="3657014974"/>
+        <p14:creationId xmlns:p14="http://schemas.microsoft.com/office/powerpoint/2010/main" val="2049474271"/>
       </p:ext>
     </p:extLst>
   </p:cSld>
@@ -2264,8 +2269,8 @@
         </p:nvSpPr>
         <p:spPr>
           <a:xfrm>
-            <a:off x="629841" y="457200"/>
-            <a:ext cx="2949178" cy="1600200"/>
+            <a:off x="839788" y="457200"/>
+            <a:ext cx="3932237" cy="1600200"/>
           </a:xfrm>
         </p:spPr>
         <p:txBody>
@@ -2296,8 +2301,8 @@
         </p:nvSpPr>
         <p:spPr>
           <a:xfrm>
-            <a:off x="3887391" y="987426"/>
-            <a:ext cx="4629150" cy="4873625"/>
+            <a:off x="5183188" y="987425"/>
+            <a:ext cx="6172200" cy="4873625"/>
           </a:xfrm>
         </p:spPr>
         <p:txBody>
@@ -2361,8 +2366,8 @@
         </p:nvSpPr>
         <p:spPr>
           <a:xfrm>
-            <a:off x="629841" y="2057400"/>
-            <a:ext cx="2949178" cy="3811588"/>
+            <a:off x="839788" y="2057400"/>
+            <a:ext cx="3932237" cy="3811588"/>
           </a:xfrm>
         </p:spPr>
         <p:txBody>
@@ -2431,7 +2436,7 @@
           <a:p>
             <a:fld id="{1F665E0F-2C79-824A-8A98-49943BAC75E9}" type="datetimeFigureOut">
               <a:rPr lang="en-JP" smtClean="0"/>
-              <a:t>2021/07/03</a:t>
+              <a:t>2021/07/05</a:t>
             </a:fld>
             <a:endParaRPr lang="en-JP"/>
           </a:p>
@@ -2468,8 +2473,8 @@
         </p:nvSpPr>
         <p:spPr>
           <a:xfrm>
-            <a:off x="6457950" y="6356351"/>
-            <a:ext cx="2057400" cy="365125"/>
+            <a:off x="8610600" y="6356350"/>
+            <a:ext cx="2743200" cy="365125"/>
           </a:xfrm>
           <a:prstGeom prst="rect">
             <a:avLst/>
@@ -2490,7 +2495,7 @@
     </p:spTree>
     <p:extLst>
       <p:ext uri="{BB962C8B-B14F-4D97-AF65-F5344CB8AC3E}">
-        <p14:creationId xmlns:p14="http://schemas.microsoft.com/office/powerpoint/2010/main" val="1863133489"/>
+        <p14:creationId xmlns:p14="http://schemas.microsoft.com/office/powerpoint/2010/main" val="4161607596"/>
       </p:ext>
     </p:extLst>
   </p:cSld>
@@ -2534,8 +2539,8 @@
         </p:nvSpPr>
         <p:spPr>
           <a:xfrm>
-            <a:off x="628650" y="365126"/>
-            <a:ext cx="7886700" cy="1325563"/>
+            <a:off x="838200" y="365125"/>
+            <a:ext cx="10515600" cy="1325563"/>
           </a:xfrm>
           <a:prstGeom prst="rect">
             <a:avLst/>
@@ -2567,8 +2572,8 @@
         </p:nvSpPr>
         <p:spPr>
           <a:xfrm>
-            <a:off x="628650" y="1825625"/>
-            <a:ext cx="7886700" cy="4351338"/>
+            <a:off x="838200" y="1825625"/>
+            <a:ext cx="10515600" cy="4351338"/>
           </a:xfrm>
           <a:prstGeom prst="rect">
             <a:avLst/>
@@ -2629,8 +2634,8 @@
         </p:nvSpPr>
         <p:spPr>
           <a:xfrm>
-            <a:off x="628650" y="6356351"/>
-            <a:ext cx="2057400" cy="365125"/>
+            <a:off x="838200" y="6356350"/>
+            <a:ext cx="2743200" cy="365125"/>
           </a:xfrm>
           <a:prstGeom prst="rect">
             <a:avLst/>
@@ -2654,7 +2659,7 @@
             <a:fld id="{C764DE79-268F-4C1A-8933-263129D2AF90}" type="datetimeFigureOut">
               <a:rPr lang="en-US" smtClean="0"/>
               <a:pPr/>
-              <a:t>7/3/21</a:t>
+              <a:t>7/5/21</a:t>
             </a:fld>
             <a:endParaRPr lang="en-US" dirty="0"/>
           </a:p>
@@ -2672,8 +2677,8 @@
         </p:nvSpPr>
         <p:spPr>
           <a:xfrm>
-            <a:off x="3028950" y="6356351"/>
-            <a:ext cx="3086100" cy="365125"/>
+            <a:off x="4038600" y="6356350"/>
+            <a:ext cx="4114800" cy="365125"/>
           </a:xfrm>
           <a:prstGeom prst="rect">
             <a:avLst/>
@@ -2703,7 +2708,7 @@
           <p:cNvPr id="7" name="Oval 6">
             <a:extLst>
               <a:ext uri="{FF2B5EF4-FFF2-40B4-BE49-F238E27FC236}">
-                <a16:creationId xmlns:a16="http://schemas.microsoft.com/office/drawing/2014/main" id="{E72A5D29-4DF4-B44D-A3E4-3ABA78916A04}"/>
+                <a16:creationId xmlns:a16="http://schemas.microsoft.com/office/drawing/2014/main" id="{5BCE2343-801F-4149-9DFA-DE11A7BE1C6B}"/>
               </a:ext>
             </a:extLst>
           </p:cNvPr>
@@ -2712,8 +2717,8 @@
         </p:nvSpPr>
         <p:spPr>
           <a:xfrm>
-            <a:off x="8606118" y="6307362"/>
-            <a:ext cx="469864" cy="440827"/>
+            <a:off x="11668539" y="6307364"/>
+            <a:ext cx="432770" cy="414112"/>
           </a:xfrm>
           <a:prstGeom prst="ellipse">
             <a:avLst/>
@@ -2813,23 +2818,23 @@
     </p:spTree>
     <p:extLst>
       <p:ext uri="{BB962C8B-B14F-4D97-AF65-F5344CB8AC3E}">
-        <p14:creationId xmlns:p14="http://schemas.microsoft.com/office/powerpoint/2010/main" val="300298328"/>
+        <p14:creationId xmlns:p14="http://schemas.microsoft.com/office/powerpoint/2010/main" val="1145092774"/>
       </p:ext>
     </p:extLst>
   </p:cSld>
   <p:clrMap bg1="lt1" tx1="dk1" bg2="lt2" tx2="dk2" accent1="accent1" accent2="accent2" accent3="accent3" accent4="accent4" accent5="accent5" accent6="accent6" hlink="hlink" folHlink="folHlink"/>
   <p:sldLayoutIdLst>
-    <p:sldLayoutId id="2147483659" r:id="rId1"/>
-    <p:sldLayoutId id="2147483664" r:id="rId2"/>
-    <p:sldLayoutId id="2147483660" r:id="rId3"/>
-    <p:sldLayoutId id="2147483661" r:id="rId4"/>
-    <p:sldLayoutId id="2147483662" r:id="rId5"/>
-    <p:sldLayoutId id="2147483663" r:id="rId6"/>
-    <p:sldLayoutId id="2147483665" r:id="rId7"/>
-    <p:sldLayoutId id="2147483666" r:id="rId8"/>
-    <p:sldLayoutId id="2147483667" r:id="rId9"/>
-    <p:sldLayoutId id="2147483668" r:id="rId10"/>
-    <p:sldLayoutId id="2147483669" r:id="rId11"/>
+    <p:sldLayoutId id="2147483671" r:id="rId1"/>
+    <p:sldLayoutId id="2147483672" r:id="rId2"/>
+    <p:sldLayoutId id="2147483673" r:id="rId3"/>
+    <p:sldLayoutId id="2147483674" r:id="rId4"/>
+    <p:sldLayoutId id="2147483675" r:id="rId5"/>
+    <p:sldLayoutId id="2147483676" r:id="rId6"/>
+    <p:sldLayoutId id="2147483677" r:id="rId7"/>
+    <p:sldLayoutId id="2147483678" r:id="rId8"/>
+    <p:sldLayoutId id="2147483679" r:id="rId9"/>
+    <p:sldLayoutId id="2147483680" r:id="rId10"/>
+    <p:sldLayoutId id="2147483681" r:id="rId11"/>
   </p:sldLayoutIdLst>
   <p:txStyles>
     <p:titleStyle>
@@ -3186,7 +3191,7 @@
                   </a:schemeClr>
                 </a:solidFill>
               </a:rPr>
-              <a:t>Saturday, July 3, 2021</a:t>
+              <a:t>Monday, July 5, 2021</a:t>
             </a:fld>
             <a:endParaRPr lang="en-US" dirty="0">
               <a:solidFill>
@@ -3224,147 +3229,6 @@
     <p:extLst>
       <p:ext uri="{BB962C8B-B14F-4D97-AF65-F5344CB8AC3E}">
         <p14:creationId xmlns:p14="http://schemas.microsoft.com/office/powerpoint/2010/main" val="3522821415"/>
-      </p:ext>
-    </p:extLst>
-  </p:cSld>
-  <p:clrMapOvr>
-    <a:masterClrMapping/>
-  </p:clrMapOvr>
-</p:sld>
-</file>
-
-<file path=ppt/slides/slide2.xml><?xml version="1.0" encoding="utf-8"?>
-<p:sld xmlns:a="http://schemas.openxmlformats.org/drawingml/2006/main" xmlns:r="http://schemas.openxmlformats.org/officeDocument/2006/relationships" xmlns:p="http://schemas.openxmlformats.org/presentationml/2006/main">
-  <p:cSld>
-    <p:spTree>
-      <p:nvGrpSpPr>
-        <p:cNvPr id="1" name=""/>
-        <p:cNvGrpSpPr/>
-        <p:nvPr/>
-      </p:nvGrpSpPr>
-      <p:grpSpPr>
-        <a:xfrm>
-          <a:off x="0" y="0"/>
-          <a:ext cx="0" cy="0"/>
-          <a:chOff x="0" y="0"/>
-          <a:chExt cx="0" cy="0"/>
-        </a:xfrm>
-      </p:grpSpPr>
-      <p:sp>
-        <p:nvSpPr>
-          <p:cNvPr id="2" name="Title 1">
-            <a:extLst>
-              <a:ext uri="{FF2B5EF4-FFF2-40B4-BE49-F238E27FC236}">
-                <a16:creationId xmlns:a16="http://schemas.microsoft.com/office/drawing/2014/main" id="{F4A22109-084C-1746-ACFA-8236486281D1}"/>
-              </a:ext>
-            </a:extLst>
-          </p:cNvPr>
-          <p:cNvSpPr>
-            <a:spLocks noGrp="1"/>
-          </p:cNvSpPr>
-          <p:nvPr>
-            <p:ph type="title"/>
-          </p:nvPr>
-        </p:nvSpPr>
-        <p:spPr/>
-        <p:txBody>
-          <a:bodyPr/>
-          <a:lstStyle/>
-          <a:p>
-            <a:r>
-              <a:rPr lang="en-JP" dirty="0"/>
-              <a:t>What We Learn</a:t>
-            </a:r>
-          </a:p>
-        </p:txBody>
-      </p:sp>
-    </p:spTree>
-    <p:extLst>
-      <p:ext uri="{BB962C8B-B14F-4D97-AF65-F5344CB8AC3E}">
-        <p14:creationId xmlns:p14="http://schemas.microsoft.com/office/powerpoint/2010/main" val="3442702406"/>
-      </p:ext>
-    </p:extLst>
-  </p:cSld>
-  <p:clrMapOvr>
-    <a:masterClrMapping/>
-  </p:clrMapOvr>
-</p:sld>
-</file>
-
-<file path=ppt/slides/slide3.xml><?xml version="1.0" encoding="utf-8"?>
-<p:sld xmlns:a="http://schemas.openxmlformats.org/drawingml/2006/main" xmlns:r="http://schemas.openxmlformats.org/officeDocument/2006/relationships" xmlns:p="http://schemas.openxmlformats.org/presentationml/2006/main">
-  <p:cSld>
-    <p:spTree>
-      <p:nvGrpSpPr>
-        <p:cNvPr id="1" name=""/>
-        <p:cNvGrpSpPr/>
-        <p:nvPr/>
-      </p:nvGrpSpPr>
-      <p:grpSpPr>
-        <a:xfrm>
-          <a:off x="0" y="0"/>
-          <a:ext cx="0" cy="0"/>
-          <a:chOff x="0" y="0"/>
-          <a:chExt cx="0" cy="0"/>
-        </a:xfrm>
-      </p:grpSpPr>
-      <p:sp>
-        <p:nvSpPr>
-          <p:cNvPr id="2" name="Title 1">
-            <a:extLst>
-              <a:ext uri="{FF2B5EF4-FFF2-40B4-BE49-F238E27FC236}">
-                <a16:creationId xmlns:a16="http://schemas.microsoft.com/office/drawing/2014/main" id="{DB17E8CC-CCAB-0A48-B347-82E6AD73698C}"/>
-              </a:ext>
-            </a:extLst>
-          </p:cNvPr>
-          <p:cNvSpPr>
-            <a:spLocks noGrp="1"/>
-          </p:cNvSpPr>
-          <p:nvPr>
-            <p:ph type="title"/>
-          </p:nvPr>
-        </p:nvSpPr>
-        <p:spPr/>
-        <p:txBody>
-          <a:bodyPr/>
-          <a:lstStyle/>
-          <a:p>
-            <a:r>
-              <a:rPr lang="en-JP" dirty="0"/>
-              <a:t>Summary</a:t>
-            </a:r>
-          </a:p>
-        </p:txBody>
-      </p:sp>
-      <p:sp>
-        <p:nvSpPr>
-          <p:cNvPr id="3" name="Content Placeholder 2">
-            <a:extLst>
-              <a:ext uri="{FF2B5EF4-FFF2-40B4-BE49-F238E27FC236}">
-                <a16:creationId xmlns:a16="http://schemas.microsoft.com/office/drawing/2014/main" id="{D60B572D-FBA1-C340-9C05-B4D0F89EBF33}"/>
-              </a:ext>
-            </a:extLst>
-          </p:cNvPr>
-          <p:cNvSpPr>
-            <a:spLocks noGrp="1"/>
-          </p:cNvSpPr>
-          <p:nvPr>
-            <p:ph idx="1"/>
-          </p:nvPr>
-        </p:nvSpPr>
-        <p:spPr/>
-        <p:txBody>
-          <a:bodyPr/>
-          <a:lstStyle/>
-          <a:p>
-            <a:endParaRPr lang="en-JP"/>
-          </a:p>
-        </p:txBody>
-      </p:sp>
-    </p:spTree>
-    <p:extLst>
-      <p:ext uri="{BB962C8B-B14F-4D97-AF65-F5344CB8AC3E}">
-        <p14:creationId xmlns:p14="http://schemas.microsoft.com/office/powerpoint/2010/main" val="1569469332"/>
       </p:ext>
     </p:extLst>
   </p:cSld>
@@ -3625,23 +3489,7 @@
       </a:bgFillStyleLst>
     </a:fmtScheme>
   </a:themeElements>
-  <a:objectDefaults>
-    <a:txDef>
-      <a:spPr>
-        <a:noFill/>
-      </a:spPr>
-      <a:bodyPr wrap="none" rtlCol="0">
-        <a:spAutoFit/>
-      </a:bodyPr>
-      <a:lstStyle>
-        <a:defPPr algn="l">
-          <a:defRPr sz="3200" dirty="0" smtClean="0">
-            <a:latin typeface="Helvetica" pitchFamily="2" charset="0"/>
-          </a:defRPr>
-        </a:defPPr>
-      </a:lstStyle>
-    </a:txDef>
-  </a:objectDefaults>
+  <a:objectDefaults/>
   <a:extraClrSchemeLst/>
   <a:extLst>
     <a:ext uri="{05A4C25C-085E-4340-85A3-A5531E510DB2}">
